--- a/JavaScriptObjects/JavaScriptArrays.pptx
+++ b/JavaScriptObjects/JavaScriptArrays.pptx
@@ -5,13 +5,14 @@
     <p:sldMasterId id="2147483648" r:id="rId1"/>
   </p:sldMasterIdLst>
   <p:notesMasterIdLst>
-    <p:notesMasterId r:id="rId6"/>
+    <p:notesMasterId r:id="rId7"/>
   </p:notesMasterIdLst>
   <p:sldIdLst>
     <p:sldId id="258" r:id="rId2"/>
     <p:sldId id="260" r:id="rId3"/>
     <p:sldId id="261" r:id="rId4"/>
     <p:sldId id="262" r:id="rId5"/>
+    <p:sldId id="263" r:id="rId6"/>
   </p:sldIdLst>
   <p:sldSz cx="12192000" cy="6858000"/>
   <p:notesSz cx="6858000" cy="9144000"/>
@@ -211,7 +212,7 @@
           <a:p>
             <a:fld id="{19104133-B5B0-4351-8158-4F0E5EB1E2BF}" type="datetimeFigureOut">
               <a:rPr lang="en-US" smtClean="0"/>
-              <a:t>1/9/2020</a:t>
+              <a:t>1/10/2020</a:t>
             </a:fld>
             <a:endParaRPr lang="en-US"/>
           </a:p>
@@ -1160,6 +1161,90 @@
 </p:notes>
 </file>
 
+<file path=ppt/notesSlides/notesSlide4.xml><?xml version="1.0" encoding="utf-8"?>
+<p:notes xmlns:a="http://schemas.openxmlformats.org/drawingml/2006/main" xmlns:r="http://schemas.openxmlformats.org/officeDocument/2006/relationships" xmlns:p="http://schemas.openxmlformats.org/presentationml/2006/main">
+  <p:cSld>
+    <p:spTree>
+      <p:nvGrpSpPr>
+        <p:cNvPr id="1" name=""/>
+        <p:cNvGrpSpPr/>
+        <p:nvPr/>
+      </p:nvGrpSpPr>
+      <p:grpSpPr>
+        <a:xfrm>
+          <a:off x="0" y="0"/>
+          <a:ext cx="0" cy="0"/>
+          <a:chOff x="0" y="0"/>
+          <a:chExt cx="0" cy="0"/>
+        </a:xfrm>
+      </p:grpSpPr>
+      <p:sp>
+        <p:nvSpPr>
+          <p:cNvPr id="2" name="Slide Image Placeholder 1"/>
+          <p:cNvSpPr>
+            <a:spLocks noGrp="1" noRot="1" noChangeAspect="1"/>
+          </p:cNvSpPr>
+          <p:nvPr>
+            <p:ph type="sldImg"/>
+          </p:nvPr>
+        </p:nvSpPr>
+        <p:spPr/>
+      </p:sp>
+      <p:sp>
+        <p:nvSpPr>
+          <p:cNvPr id="3" name="Notes Placeholder 2"/>
+          <p:cNvSpPr>
+            <a:spLocks noGrp="1"/>
+          </p:cNvSpPr>
+          <p:nvPr>
+            <p:ph type="body" idx="1"/>
+          </p:nvPr>
+        </p:nvSpPr>
+        <p:spPr/>
+        <p:txBody>
+          <a:bodyPr/>
+          <a:lstStyle/>
+          <a:p>
+            <a:endParaRPr lang="en-US" dirty="0"/>
+          </a:p>
+        </p:txBody>
+      </p:sp>
+      <p:sp>
+        <p:nvSpPr>
+          <p:cNvPr id="4" name="Slide Number Placeholder 3"/>
+          <p:cNvSpPr>
+            <a:spLocks noGrp="1"/>
+          </p:cNvSpPr>
+          <p:nvPr>
+            <p:ph type="sldNum" sz="quarter" idx="10"/>
+          </p:nvPr>
+        </p:nvSpPr>
+        <p:spPr/>
+        <p:txBody>
+          <a:bodyPr/>
+          <a:lstStyle/>
+          <a:p>
+            <a:fld id="{DEC8F7F9-57EC-49CF-9FCD-2B781E4B449F}" type="slidenum">
+              <a:rPr lang="en-US" smtClean="0"/>
+              <a:t>5</a:t>
+            </a:fld>
+            <a:endParaRPr lang="en-US"/>
+          </a:p>
+        </p:txBody>
+      </p:sp>
+    </p:spTree>
+    <p:extLst>
+      <p:ext uri="{BB962C8B-B14F-4D97-AF65-F5344CB8AC3E}">
+        <p14:creationId xmlns:p14="http://schemas.microsoft.com/office/powerpoint/2010/main" val="4209737894"/>
+      </p:ext>
+    </p:extLst>
+  </p:cSld>
+  <p:clrMapOvr>
+    <a:masterClrMapping/>
+  </p:clrMapOvr>
+</p:notes>
+</file>
+
 <file path=ppt/slideLayouts/slideLayout1.xml><?xml version="1.0" encoding="utf-8"?>
 <p:sldLayout xmlns:a="http://schemas.openxmlformats.org/drawingml/2006/main" xmlns:r="http://schemas.openxmlformats.org/officeDocument/2006/relationships" xmlns:p="http://schemas.openxmlformats.org/presentationml/2006/main" preserve="1" userDrawn="1">
   <p:cSld name="Title Slide">
@@ -1350,7 +1435,7 @@
             <a:fld id="{1C2D31DE-C454-491C-B5C3-F097855E3DF7}" type="datetime4">
               <a:rPr lang="en-US" smtClean="0"/>
               <a:pPr/>
-              <a:t>January 9, 2020</a:t>
+              <a:t>January 10, 2020</a:t>
             </a:fld>
             <a:endParaRPr lang="en-US" dirty="0"/>
           </a:p>
@@ -4750,7 +4835,7 @@
           <a:p>
             <a:fld id="{5958763E-B898-436D-883D-03711491D54A}" type="datetimeFigureOut">
               <a:rPr lang="en-US" smtClean="0"/>
-              <a:t>1/9/2020</a:t>
+              <a:t>1/10/2020</a:t>
             </a:fld>
             <a:endParaRPr lang="en-US"/>
           </a:p>
@@ -4951,7 +5036,7 @@
           <a:p>
             <a:fld id="{5958763E-B898-436D-883D-03711491D54A}" type="datetimeFigureOut">
               <a:rPr lang="en-US" smtClean="0"/>
-              <a:t>1/9/2020</a:t>
+              <a:t>1/10/2020</a:t>
             </a:fld>
             <a:endParaRPr lang="en-US"/>
           </a:p>
@@ -5208,7 +5293,7 @@
           <a:p>
             <a:fld id="{5958763E-B898-436D-883D-03711491D54A}" type="datetimeFigureOut">
               <a:rPr lang="en-US" smtClean="0"/>
-              <a:t>1/9/2020</a:t>
+              <a:t>1/10/2020</a:t>
             </a:fld>
             <a:endParaRPr lang="en-US"/>
           </a:p>
@@ -5563,7 +5648,7 @@
           <a:p>
             <a:fld id="{5958763E-B898-436D-883D-03711491D54A}" type="datetimeFigureOut">
               <a:rPr lang="en-US" smtClean="0"/>
-              <a:t>1/9/2020</a:t>
+              <a:t>1/10/2020</a:t>
             </a:fld>
             <a:endParaRPr lang="en-US"/>
           </a:p>
@@ -5986,7 +6071,7 @@
           <a:p>
             <a:fld id="{5958763E-B898-436D-883D-03711491D54A}" type="datetimeFigureOut">
               <a:rPr lang="en-US" smtClean="0"/>
-              <a:t>1/9/2020</a:t>
+              <a:t>1/10/2020</a:t>
             </a:fld>
             <a:endParaRPr lang="en-US"/>
           </a:p>
@@ -6494,7 +6579,7 @@
           <a:p>
             <a:fld id="{5958763E-B898-436D-883D-03711491D54A}" type="datetimeFigureOut">
               <a:rPr lang="en-US" smtClean="0"/>
-              <a:t>1/9/2020</a:t>
+              <a:t>1/10/2020</a:t>
             </a:fld>
             <a:endParaRPr lang="en-US"/>
           </a:p>
@@ -6952,7 +7037,7 @@
           <a:p>
             <a:fld id="{5958763E-B898-436D-883D-03711491D54A}" type="datetimeFigureOut">
               <a:rPr lang="en-US" smtClean="0"/>
-              <a:t>1/9/2020</a:t>
+              <a:t>1/10/2020</a:t>
             </a:fld>
             <a:endParaRPr lang="en-US"/>
           </a:p>
@@ -7570,7 +7655,7 @@
           <a:p>
             <a:fld id="{5958763E-B898-436D-883D-03711491D54A}" type="datetimeFigureOut">
               <a:rPr lang="en-US" smtClean="0"/>
-              <a:t>1/9/2020</a:t>
+              <a:t>1/10/2020</a:t>
             </a:fld>
             <a:endParaRPr lang="en-US"/>
           </a:p>
@@ -8348,7 +8433,7 @@
           <a:p>
             <a:fld id="{5958763E-B898-436D-883D-03711491D54A}" type="datetimeFigureOut">
               <a:rPr lang="en-US" smtClean="0"/>
-              <a:t>1/9/2020</a:t>
+              <a:t>1/10/2020</a:t>
             </a:fld>
             <a:endParaRPr lang="en-US"/>
           </a:p>
@@ -8459,7 +8544,7 @@
           <a:p>
             <a:fld id="{5958763E-B898-436D-883D-03711491D54A}" type="datetimeFigureOut">
               <a:rPr lang="en-US" smtClean="0"/>
-              <a:t>1/9/2020</a:t>
+              <a:t>1/10/2020</a:t>
             </a:fld>
             <a:endParaRPr lang="en-US"/>
           </a:p>
@@ -8801,7 +8886,7 @@
             <a:fld id="{1C2D31DE-C454-491C-B5C3-F097855E3DF7}" type="datetime4">
               <a:rPr lang="en-US" smtClean="0"/>
               <a:pPr/>
-              <a:t>January 9, 2020</a:t>
+              <a:t>January 10, 2020</a:t>
             </a:fld>
             <a:endParaRPr lang="en-US" dirty="0"/>
           </a:p>
@@ -11961,7 +12046,7 @@
           <a:p>
             <a:fld id="{5958763E-B898-436D-883D-03711491D54A}" type="datetimeFigureOut">
               <a:rPr lang="en-US" smtClean="0"/>
-              <a:t>1/9/2020</a:t>
+              <a:t>1/10/2020</a:t>
             </a:fld>
             <a:endParaRPr lang="en-US"/>
           </a:p>
@@ -12092,7 +12177,7 @@
           <a:p>
             <a:fld id="{5958763E-B898-436D-883D-03711491D54A}" type="datetimeFigureOut">
               <a:rPr lang="en-US" smtClean="0"/>
-              <a:t>1/9/2020</a:t>
+              <a:t>1/10/2020</a:t>
             </a:fld>
             <a:endParaRPr lang="en-US"/>
           </a:p>
@@ -12223,7 +12308,7 @@
           <a:p>
             <a:fld id="{5958763E-B898-436D-883D-03711491D54A}" type="datetimeFigureOut">
               <a:rPr lang="en-US" smtClean="0"/>
-              <a:t>1/9/2020</a:t>
+              <a:t>1/10/2020</a:t>
             </a:fld>
             <a:endParaRPr lang="en-US"/>
           </a:p>
@@ -12354,7 +12439,7 @@
           <a:p>
             <a:fld id="{5958763E-B898-436D-883D-03711491D54A}" type="datetimeFigureOut">
               <a:rPr lang="en-US" smtClean="0"/>
-              <a:t>1/9/2020</a:t>
+              <a:t>1/10/2020</a:t>
             </a:fld>
             <a:endParaRPr lang="en-US"/>
           </a:p>
@@ -12485,7 +12570,7 @@
           <a:p>
             <a:fld id="{5958763E-B898-436D-883D-03711491D54A}" type="datetimeFigureOut">
               <a:rPr lang="en-US" smtClean="0"/>
-              <a:t>1/9/2020</a:t>
+              <a:t>1/10/2020</a:t>
             </a:fld>
             <a:endParaRPr lang="en-US"/>
           </a:p>
@@ -12616,7 +12701,7 @@
           <a:p>
             <a:fld id="{5958763E-B898-436D-883D-03711491D54A}" type="datetimeFigureOut">
               <a:rPr lang="en-US" smtClean="0"/>
-              <a:t>1/9/2020</a:t>
+              <a:t>1/10/2020</a:t>
             </a:fld>
             <a:endParaRPr lang="en-US"/>
           </a:p>
@@ -12747,7 +12832,7 @@
           <a:p>
             <a:fld id="{5958763E-B898-436D-883D-03711491D54A}" type="datetimeFigureOut">
               <a:rPr lang="en-US" smtClean="0"/>
-              <a:t>1/9/2020</a:t>
+              <a:t>1/10/2020</a:t>
             </a:fld>
             <a:endParaRPr lang="en-US"/>
           </a:p>
@@ -12878,7 +12963,7 @@
           <a:p>
             <a:fld id="{5958763E-B898-436D-883D-03711491D54A}" type="datetimeFigureOut">
               <a:rPr lang="en-US" smtClean="0"/>
-              <a:t>1/9/2020</a:t>
+              <a:t>1/10/2020</a:t>
             </a:fld>
             <a:endParaRPr lang="en-US"/>
           </a:p>
@@ -13018,7 +13103,7 @@
           <a:p>
             <a:fld id="{5958763E-B898-436D-883D-03711491D54A}" type="datetimeFigureOut">
               <a:rPr lang="en-US" smtClean="0"/>
-              <a:t>1/9/2020</a:t>
+              <a:t>1/10/2020</a:t>
             </a:fld>
             <a:endParaRPr lang="en-US"/>
           </a:p>
@@ -16379,7 +16464,7 @@
             <a:fld id="{1C2D31DE-C454-491C-B5C3-F097855E3DF7}" type="datetime4">
               <a:rPr lang="en-US" smtClean="0"/>
               <a:pPr/>
-              <a:t>January 9, 2020</a:t>
+              <a:t>January 10, 2020</a:t>
             </a:fld>
             <a:endParaRPr lang="en-US" dirty="0"/>
           </a:p>
@@ -28624,7 +28709,7 @@
           <a:p>
             <a:fld id="{5958763E-B898-436D-883D-03711491D54A}" type="datetimeFigureOut">
               <a:rPr lang="en-US" smtClean="0"/>
-              <a:t>1/9/2020</a:t>
+              <a:t>1/10/2020</a:t>
             </a:fld>
             <a:endParaRPr lang="en-US"/>
           </a:p>
@@ -29033,7 +29118,7 @@
           <a:p>
             <a:fld id="{5958763E-B898-436D-883D-03711491D54A}" type="datetimeFigureOut">
               <a:rPr lang="en-US" smtClean="0"/>
-              <a:t>1/9/2020</a:t>
+              <a:t>1/10/2020</a:t>
             </a:fld>
             <a:endParaRPr lang="en-US"/>
           </a:p>
@@ -29334,7 +29419,7 @@
           <a:p>
             <a:fld id="{5958763E-B898-436D-883D-03711491D54A}" type="datetimeFigureOut">
               <a:rPr lang="en-US" smtClean="0"/>
-              <a:t>1/9/2020</a:t>
+              <a:t>1/10/2020</a:t>
             </a:fld>
             <a:endParaRPr lang="en-US"/>
           </a:p>
@@ -29542,7 +29627,7 @@
           <a:p>
             <a:fld id="{5958763E-B898-436D-883D-03711491D54A}" type="datetimeFigureOut">
               <a:rPr lang="en-US" smtClean="0"/>
-              <a:t>1/9/2020</a:t>
+              <a:t>1/10/2020</a:t>
             </a:fld>
             <a:endParaRPr lang="en-US"/>
           </a:p>
@@ -29810,7 +29895,7 @@
           <a:p>
             <a:fld id="{5958763E-B898-436D-883D-03711491D54A}" type="datetimeFigureOut">
               <a:rPr lang="en-US" smtClean="0"/>
-              <a:t>1/9/2020</a:t>
+              <a:t>1/10/2020</a:t>
             </a:fld>
             <a:endParaRPr lang="en-US"/>
           </a:p>
@@ -30327,7 +30412,7 @@
           <a:p>
             <a:fld id="{5958763E-B898-436D-883D-03711491D54A}" type="datetimeFigureOut">
               <a:rPr lang="en-US" smtClean="0"/>
-              <a:t>1/9/2020</a:t>
+              <a:t>1/10/2020</a:t>
             </a:fld>
             <a:endParaRPr lang="en-US"/>
           </a:p>
@@ -30815,7 +30900,7 @@
           <a:p>
             <a:fld id="{5958763E-B898-436D-883D-03711491D54A}" type="datetimeFigureOut">
               <a:rPr lang="en-US" smtClean="0"/>
-              <a:t>1/9/2020</a:t>
+              <a:t>1/10/2020</a:t>
             </a:fld>
             <a:endParaRPr lang="en-US"/>
           </a:p>
@@ -31641,7 +31726,7 @@
           <a:p>
             <a:fld id="{5958763E-B898-436D-883D-03711491D54A}" type="datetimeFigureOut">
               <a:rPr lang="en-US" smtClean="0"/>
-              <a:t>1/9/2020</a:t>
+              <a:t>1/10/2020</a:t>
             </a:fld>
             <a:endParaRPr lang="en-US"/>
           </a:p>
@@ -31849,7 +31934,7 @@
           <a:p>
             <a:fld id="{5958763E-B898-436D-883D-03711491D54A}" type="datetimeFigureOut">
               <a:rPr lang="en-US" smtClean="0"/>
-              <a:t>1/9/2020</a:t>
+              <a:t>1/10/2020</a:t>
             </a:fld>
             <a:endParaRPr lang="en-US"/>
           </a:p>
@@ -32191,7 +32276,7 @@
           <a:p>
             <a:fld id="{5958763E-B898-436D-883D-03711491D54A}" type="datetimeFigureOut">
               <a:rPr lang="en-US" smtClean="0"/>
-              <a:t>1/9/2020</a:t>
+              <a:t>1/10/2020</a:t>
             </a:fld>
             <a:endParaRPr lang="en-US"/>
           </a:p>
@@ -32428,7 +32513,7 @@
           <a:p>
             <a:fld id="{5958763E-B898-436D-883D-03711491D54A}" type="datetimeFigureOut">
               <a:rPr lang="en-US" smtClean="0"/>
-              <a:t>1/9/2020</a:t>
+              <a:t>1/10/2020</a:t>
             </a:fld>
             <a:endParaRPr lang="en-US"/>
           </a:p>
@@ -32679,7 +32764,7 @@
           <a:p>
             <a:fld id="{5958763E-B898-436D-883D-03711491D54A}" type="datetimeFigureOut">
               <a:rPr lang="en-US" smtClean="0"/>
-              <a:t>1/9/2020</a:t>
+              <a:t>1/10/2020</a:t>
             </a:fld>
             <a:endParaRPr lang="en-US"/>
           </a:p>
@@ -39012,6 +39097,583 @@
 </p:sld>
 </file>
 
+<file path=ppt/slides/slide5.xml><?xml version="1.0" encoding="utf-8"?>
+<p:sld xmlns:a="http://schemas.openxmlformats.org/drawingml/2006/main" xmlns:r="http://schemas.openxmlformats.org/officeDocument/2006/relationships" xmlns:p="http://schemas.openxmlformats.org/presentationml/2006/main">
+  <p:cSld>
+    <p:spTree>
+      <p:nvGrpSpPr>
+        <p:cNvPr id="1" name=""/>
+        <p:cNvGrpSpPr/>
+        <p:nvPr/>
+      </p:nvGrpSpPr>
+      <p:grpSpPr>
+        <a:xfrm>
+          <a:off x="0" y="0"/>
+          <a:ext cx="0" cy="0"/>
+          <a:chOff x="0" y="0"/>
+          <a:chExt cx="0" cy="0"/>
+        </a:xfrm>
+      </p:grpSpPr>
+      <p:sp>
+        <p:nvSpPr>
+          <p:cNvPr id="2" name="Title 1"/>
+          <p:cNvSpPr>
+            <a:spLocks noGrp="1"/>
+          </p:cNvSpPr>
+          <p:nvPr>
+            <p:ph type="title"/>
+          </p:nvPr>
+        </p:nvSpPr>
+        <p:spPr/>
+        <p:txBody>
+          <a:bodyPr/>
+          <a:lstStyle/>
+          <a:p>
+            <a:r>
+              <a:rPr lang="en-US" dirty="0" smtClean="0"/>
+              <a:t>Looping through Arrays</a:t>
+            </a:r>
+            <a:endParaRPr lang="en-US" dirty="0"/>
+          </a:p>
+        </p:txBody>
+      </p:sp>
+      <p:sp>
+        <p:nvSpPr>
+          <p:cNvPr id="3" name="Content Placeholder 2"/>
+          <p:cNvSpPr>
+            <a:spLocks noGrp="1"/>
+          </p:cNvSpPr>
+          <p:nvPr>
+            <p:ph idx="1"/>
+          </p:nvPr>
+        </p:nvSpPr>
+        <p:spPr>
+          <a:xfrm>
+            <a:off x="381000" y="3886200"/>
+            <a:ext cx="11430000" cy="2057400"/>
+          </a:xfrm>
+        </p:spPr>
+        <p:txBody>
+          <a:bodyPr>
+            <a:normAutofit/>
+          </a:bodyPr>
+          <a:lstStyle/>
+          <a:p>
+            <a:pPr marL="57150" indent="0">
+              <a:buNone/>
+            </a:pPr>
+            <a:r>
+              <a:rPr lang="en-US" sz="3200" dirty="0">
+                <a:solidFill>
+                  <a:srgbClr val="0000FF"/>
+                </a:solidFill>
+                <a:latin typeface="Consolas" panose="020B0609020204030204" pitchFamily="49" charset="0"/>
+              </a:rPr>
+              <a:t>for</a:t>
+            </a:r>
+            <a:r>
+              <a:rPr lang="en-US" sz="3200" dirty="0">
+                <a:solidFill>
+                  <a:srgbClr val="000000"/>
+                </a:solidFill>
+                <a:latin typeface="Consolas" panose="020B0609020204030204" pitchFamily="49" charset="0"/>
+              </a:rPr>
+              <a:t> (</a:t>
+            </a:r>
+            <a:r>
+              <a:rPr lang="en-US" sz="3200" dirty="0">
+                <a:solidFill>
+                  <a:srgbClr val="0000FF"/>
+                </a:solidFill>
+                <a:latin typeface="Consolas" panose="020B0609020204030204" pitchFamily="49" charset="0"/>
+              </a:rPr>
+              <a:t>let</a:t>
+            </a:r>
+            <a:r>
+              <a:rPr lang="en-US" sz="3200" dirty="0">
+                <a:solidFill>
+                  <a:srgbClr val="000000"/>
+                </a:solidFill>
+                <a:latin typeface="Consolas" panose="020B0609020204030204" pitchFamily="49" charset="0"/>
+              </a:rPr>
+              <a:t> </a:t>
+            </a:r>
+            <a:r>
+              <a:rPr lang="en-US" sz="3200" dirty="0" err="1">
+                <a:solidFill>
+                  <a:srgbClr val="000000"/>
+                </a:solidFill>
+                <a:latin typeface="Consolas" panose="020B0609020204030204" pitchFamily="49" charset="0"/>
+              </a:rPr>
+              <a:t>i</a:t>
+            </a:r>
+            <a:r>
+              <a:rPr lang="en-US" sz="3200" dirty="0">
+                <a:solidFill>
+                  <a:srgbClr val="000000"/>
+                </a:solidFill>
+                <a:latin typeface="Consolas" panose="020B0609020204030204" pitchFamily="49" charset="0"/>
+              </a:rPr>
+              <a:t> = </a:t>
+            </a:r>
+            <a:r>
+              <a:rPr lang="en-US" sz="3200" dirty="0">
+                <a:solidFill>
+                  <a:srgbClr val="09885A"/>
+                </a:solidFill>
+                <a:latin typeface="Consolas" panose="020B0609020204030204" pitchFamily="49" charset="0"/>
+              </a:rPr>
+              <a:t>0</a:t>
+            </a:r>
+            <a:r>
+              <a:rPr lang="en-US" sz="3200" dirty="0">
+                <a:solidFill>
+                  <a:srgbClr val="000000"/>
+                </a:solidFill>
+                <a:latin typeface="Consolas" panose="020B0609020204030204" pitchFamily="49" charset="0"/>
+              </a:rPr>
+              <a:t>; </a:t>
+            </a:r>
+            <a:r>
+              <a:rPr lang="en-US" sz="3200" dirty="0" err="1">
+                <a:solidFill>
+                  <a:srgbClr val="000000"/>
+                </a:solidFill>
+                <a:latin typeface="Consolas" panose="020B0609020204030204" pitchFamily="49" charset="0"/>
+              </a:rPr>
+              <a:t>i</a:t>
+            </a:r>
+            <a:r>
+              <a:rPr lang="en-US" sz="3200" dirty="0">
+                <a:solidFill>
+                  <a:srgbClr val="000000"/>
+                </a:solidFill>
+                <a:latin typeface="Consolas" panose="020B0609020204030204" pitchFamily="49" charset="0"/>
+              </a:rPr>
+              <a:t> &lt; </a:t>
+            </a:r>
+            <a:r>
+              <a:rPr lang="en-US" sz="3200" dirty="0" err="1">
+                <a:solidFill>
+                  <a:srgbClr val="000000"/>
+                </a:solidFill>
+                <a:latin typeface="Consolas" panose="020B0609020204030204" pitchFamily="49" charset="0"/>
+              </a:rPr>
+              <a:t>shoppingList.length</a:t>
+            </a:r>
+            <a:r>
+              <a:rPr lang="en-US" sz="3200" dirty="0">
+                <a:solidFill>
+                  <a:srgbClr val="000000"/>
+                </a:solidFill>
+                <a:latin typeface="Consolas" panose="020B0609020204030204" pitchFamily="49" charset="0"/>
+              </a:rPr>
+              <a:t>; </a:t>
+            </a:r>
+            <a:r>
+              <a:rPr lang="en-US" sz="3200" dirty="0" err="1">
+                <a:solidFill>
+                  <a:srgbClr val="000000"/>
+                </a:solidFill>
+                <a:latin typeface="Consolas" panose="020B0609020204030204" pitchFamily="49" charset="0"/>
+              </a:rPr>
+              <a:t>i</a:t>
+            </a:r>
+            <a:r>
+              <a:rPr lang="en-US" sz="3200" dirty="0">
+                <a:solidFill>
+                  <a:srgbClr val="000000"/>
+                </a:solidFill>
+                <a:latin typeface="Consolas" panose="020B0609020204030204" pitchFamily="49" charset="0"/>
+              </a:rPr>
+              <a:t>++) {</a:t>
+            </a:r>
+          </a:p>
+          <a:p>
+            <a:pPr marL="57150" indent="0">
+              <a:buNone/>
+            </a:pPr>
+            <a:r>
+              <a:rPr lang="en-US" sz="3200" dirty="0" smtClean="0">
+                <a:solidFill>
+                  <a:srgbClr val="000000"/>
+                </a:solidFill>
+                <a:latin typeface="Consolas" panose="020B0609020204030204" pitchFamily="49" charset="0"/>
+              </a:rPr>
+              <a:t>    console.log(</a:t>
+            </a:r>
+            <a:r>
+              <a:rPr lang="en-US" sz="3200" dirty="0" err="1" smtClean="0">
+                <a:solidFill>
+                  <a:srgbClr val="000000"/>
+                </a:solidFill>
+                <a:latin typeface="Consolas" panose="020B0609020204030204" pitchFamily="49" charset="0"/>
+              </a:rPr>
+              <a:t>shoppingList</a:t>
+            </a:r>
+            <a:r>
+              <a:rPr lang="en-US" sz="3200" dirty="0" smtClean="0">
+                <a:solidFill>
+                  <a:srgbClr val="000000"/>
+                </a:solidFill>
+                <a:latin typeface="Consolas" panose="020B0609020204030204" pitchFamily="49" charset="0"/>
+              </a:rPr>
+              <a:t>[</a:t>
+            </a:r>
+            <a:r>
+              <a:rPr lang="en-US" sz="3200" dirty="0" err="1" smtClean="0">
+                <a:solidFill>
+                  <a:srgbClr val="000000"/>
+                </a:solidFill>
+                <a:latin typeface="Consolas" panose="020B0609020204030204" pitchFamily="49" charset="0"/>
+              </a:rPr>
+              <a:t>i</a:t>
+            </a:r>
+            <a:r>
+              <a:rPr lang="en-US" sz="3200" dirty="0">
+                <a:solidFill>
+                  <a:srgbClr val="000000"/>
+                </a:solidFill>
+                <a:latin typeface="Consolas" panose="020B0609020204030204" pitchFamily="49" charset="0"/>
+              </a:rPr>
+              <a:t>]);</a:t>
+            </a:r>
+          </a:p>
+          <a:p>
+            <a:pPr marL="57150" indent="0">
+              <a:buNone/>
+            </a:pPr>
+            <a:r>
+              <a:rPr lang="en-US" sz="3200" dirty="0">
+                <a:solidFill>
+                  <a:srgbClr val="000000"/>
+                </a:solidFill>
+                <a:latin typeface="Consolas" panose="020B0609020204030204" pitchFamily="49" charset="0"/>
+              </a:rPr>
+              <a:t>}</a:t>
+            </a:r>
+          </a:p>
+          <a:p>
+            <a:pPr marL="57150" indent="0">
+              <a:buNone/>
+            </a:pPr>
+            <a:endParaRPr lang="en-US" dirty="0"/>
+          </a:p>
+        </p:txBody>
+      </p:sp>
+      <p:sp>
+        <p:nvSpPr>
+          <p:cNvPr id="4" name="Content Placeholder 2"/>
+          <p:cNvSpPr txBox="1">
+            <a:spLocks/>
+          </p:cNvSpPr>
+          <p:nvPr/>
+        </p:nvSpPr>
+        <p:spPr>
+          <a:xfrm>
+            <a:off x="381000" y="1257300"/>
+            <a:ext cx="11430000" cy="2057400"/>
+          </a:xfrm>
+          <a:prstGeom prst="rect">
+            <a:avLst/>
+          </a:prstGeom>
+        </p:spPr>
+        <p:txBody>
+          <a:bodyPr vert="horz" lIns="0" tIns="0" rIns="0" bIns="0" rtlCol="0">
+            <a:normAutofit/>
+          </a:bodyPr>
+          <a:lstStyle>
+            <a:lvl1pPr marL="342900" indent="-285750" algn="l" defTabSz="914400" rtl="0" eaLnBrk="1" latinLnBrk="0" hangingPunct="1">
+              <a:lnSpc>
+                <a:spcPct val="100000"/>
+              </a:lnSpc>
+              <a:spcBef>
+                <a:spcPts val="0"/>
+              </a:spcBef>
+              <a:spcAft>
+                <a:spcPts val="1200"/>
+              </a:spcAft>
+              <a:buClr>
+                <a:schemeClr val="accent3"/>
+              </a:buClr>
+              <a:buFont typeface="Wingdings" panose="05000000000000000000" pitchFamily="2" charset="2"/>
+              <a:buChar char="§"/>
+              <a:defRPr sz="2800" kern="1200">
+                <a:solidFill>
+                  <a:schemeClr val="tx1"/>
+                </a:solidFill>
+                <a:latin typeface="+mn-lt"/>
+                <a:ea typeface="+mn-ea"/>
+                <a:cs typeface="+mn-cs"/>
+              </a:defRPr>
+            </a:lvl1pPr>
+            <a:lvl2pPr marL="685800" indent="-228600" algn="l" defTabSz="914400" rtl="0" eaLnBrk="1" latinLnBrk="0" hangingPunct="1">
+              <a:lnSpc>
+                <a:spcPct val="100000"/>
+              </a:lnSpc>
+              <a:spcBef>
+                <a:spcPts val="0"/>
+              </a:spcBef>
+              <a:spcAft>
+                <a:spcPts val="1200"/>
+              </a:spcAft>
+              <a:buClr>
+                <a:schemeClr val="accent2"/>
+              </a:buClr>
+              <a:buFont typeface="Arial" panose="020B0604020202020204" pitchFamily="34" charset="0"/>
+              <a:buChar char="•"/>
+              <a:defRPr sz="2400" kern="1200">
+                <a:solidFill>
+                  <a:schemeClr val="tx1"/>
+                </a:solidFill>
+                <a:latin typeface="+mn-lt"/>
+                <a:ea typeface="+mn-ea"/>
+                <a:cs typeface="+mn-cs"/>
+              </a:defRPr>
+            </a:lvl2pPr>
+            <a:lvl3pPr marL="1028700" indent="-228600" algn="l" defTabSz="914400" rtl="0" eaLnBrk="1" latinLnBrk="0" hangingPunct="1">
+              <a:lnSpc>
+                <a:spcPct val="100000"/>
+              </a:lnSpc>
+              <a:spcBef>
+                <a:spcPts val="0"/>
+              </a:spcBef>
+              <a:spcAft>
+                <a:spcPts val="1200"/>
+              </a:spcAft>
+              <a:buClr>
+                <a:schemeClr val="accent1"/>
+              </a:buClr>
+              <a:buFont typeface="Arial" panose="020B0604020202020204" pitchFamily="34" charset="0"/>
+              <a:buChar char="•"/>
+              <a:defRPr sz="2000" kern="1200">
+                <a:solidFill>
+                  <a:schemeClr val="tx1"/>
+                </a:solidFill>
+                <a:latin typeface="+mn-lt"/>
+                <a:ea typeface="+mn-ea"/>
+                <a:cs typeface="+mn-cs"/>
+              </a:defRPr>
+            </a:lvl3pPr>
+            <a:lvl4pPr marL="1484313" indent="-285750" algn="l" defTabSz="914400" rtl="0" eaLnBrk="1" latinLnBrk="0" hangingPunct="1">
+              <a:lnSpc>
+                <a:spcPct val="100000"/>
+              </a:lnSpc>
+              <a:spcBef>
+                <a:spcPts val="0"/>
+              </a:spcBef>
+              <a:spcAft>
+                <a:spcPts val="1200"/>
+              </a:spcAft>
+              <a:buFont typeface="Arial" panose="020B0604020202020204" pitchFamily="34" charset="0"/>
+              <a:buChar char="•"/>
+              <a:defRPr sz="1800" kern="1200">
+                <a:solidFill>
+                  <a:schemeClr val="tx1"/>
+                </a:solidFill>
+                <a:latin typeface="+mn-lt"/>
+                <a:ea typeface="+mn-ea"/>
+                <a:cs typeface="+mn-cs"/>
+              </a:defRPr>
+            </a:lvl4pPr>
+            <a:lvl5pPr marL="1889125" indent="-284163" algn="l" defTabSz="914400" rtl="0" eaLnBrk="1" latinLnBrk="0" hangingPunct="1">
+              <a:lnSpc>
+                <a:spcPct val="100000"/>
+              </a:lnSpc>
+              <a:spcBef>
+                <a:spcPts val="0"/>
+              </a:spcBef>
+              <a:spcAft>
+                <a:spcPts val="1200"/>
+              </a:spcAft>
+              <a:buFont typeface="Arial" panose="020B0604020202020204" pitchFamily="34" charset="0"/>
+              <a:buChar char="•"/>
+              <a:defRPr sz="1800" kern="1200">
+                <a:solidFill>
+                  <a:schemeClr val="tx1"/>
+                </a:solidFill>
+                <a:latin typeface="+mn-lt"/>
+                <a:ea typeface="+mn-ea"/>
+                <a:cs typeface="+mn-cs"/>
+              </a:defRPr>
+            </a:lvl5pPr>
+            <a:lvl6pPr marL="2514600" indent="-228600" algn="l" defTabSz="914400" rtl="0" eaLnBrk="1" latinLnBrk="0" hangingPunct="1">
+              <a:lnSpc>
+                <a:spcPct val="90000"/>
+              </a:lnSpc>
+              <a:spcBef>
+                <a:spcPts val="500"/>
+              </a:spcBef>
+              <a:buFont typeface="Arial" panose="020B0604020202020204" pitchFamily="34" charset="0"/>
+              <a:buChar char="•"/>
+              <a:defRPr sz="1800" kern="1200">
+                <a:solidFill>
+                  <a:schemeClr val="tx1"/>
+                </a:solidFill>
+                <a:latin typeface="+mn-lt"/>
+                <a:ea typeface="+mn-ea"/>
+                <a:cs typeface="+mn-cs"/>
+              </a:defRPr>
+            </a:lvl6pPr>
+            <a:lvl7pPr marL="2971800" indent="-228600" algn="l" defTabSz="914400" rtl="0" eaLnBrk="1" latinLnBrk="0" hangingPunct="1">
+              <a:lnSpc>
+                <a:spcPct val="90000"/>
+              </a:lnSpc>
+              <a:spcBef>
+                <a:spcPts val="500"/>
+              </a:spcBef>
+              <a:buFont typeface="Arial" panose="020B0604020202020204" pitchFamily="34" charset="0"/>
+              <a:buChar char="•"/>
+              <a:defRPr sz="1800" kern="1200">
+                <a:solidFill>
+                  <a:schemeClr val="tx1"/>
+                </a:solidFill>
+                <a:latin typeface="+mn-lt"/>
+                <a:ea typeface="+mn-ea"/>
+                <a:cs typeface="+mn-cs"/>
+              </a:defRPr>
+            </a:lvl7pPr>
+            <a:lvl8pPr marL="3429000" indent="-228600" algn="l" defTabSz="914400" rtl="0" eaLnBrk="1" latinLnBrk="0" hangingPunct="1">
+              <a:lnSpc>
+                <a:spcPct val="90000"/>
+              </a:lnSpc>
+              <a:spcBef>
+                <a:spcPts val="500"/>
+              </a:spcBef>
+              <a:buFont typeface="Arial" panose="020B0604020202020204" pitchFamily="34" charset="0"/>
+              <a:buChar char="•"/>
+              <a:defRPr sz="1800" kern="1200">
+                <a:solidFill>
+                  <a:schemeClr val="tx1"/>
+                </a:solidFill>
+                <a:latin typeface="+mn-lt"/>
+                <a:ea typeface="+mn-ea"/>
+                <a:cs typeface="+mn-cs"/>
+              </a:defRPr>
+            </a:lvl8pPr>
+            <a:lvl9pPr marL="3886200" indent="-228600" algn="l" defTabSz="914400" rtl="0" eaLnBrk="1" latinLnBrk="0" hangingPunct="1">
+              <a:lnSpc>
+                <a:spcPct val="90000"/>
+              </a:lnSpc>
+              <a:spcBef>
+                <a:spcPts val="500"/>
+              </a:spcBef>
+              <a:buFont typeface="Arial" panose="020B0604020202020204" pitchFamily="34" charset="0"/>
+              <a:buChar char="•"/>
+              <a:defRPr sz="1800" kern="1200">
+                <a:solidFill>
+                  <a:schemeClr val="tx1"/>
+                </a:solidFill>
+                <a:latin typeface="+mn-lt"/>
+                <a:ea typeface="+mn-ea"/>
+                <a:cs typeface="+mn-cs"/>
+              </a:defRPr>
+            </a:lvl9pPr>
+          </a:lstStyle>
+          <a:p>
+            <a:r>
+              <a:rPr lang="en-US" dirty="0" smtClean="0"/>
+              <a:t>Get t</a:t>
+            </a:r>
+            <a:r>
+              <a:rPr lang="en-US" dirty="0"/>
+              <a:t>he length of an array with </a:t>
+            </a:r>
+            <a:r>
+              <a:rPr lang="en-US" dirty="0">
+                <a:solidFill>
+                  <a:srgbClr val="000000"/>
+                </a:solidFill>
+                <a:latin typeface="Consolas" panose="020B0609020204030204" pitchFamily="49" charset="0"/>
+              </a:rPr>
+              <a:t>.</a:t>
+            </a:r>
+            <a:r>
+              <a:rPr lang="en-US" dirty="0" smtClean="0">
+                <a:solidFill>
+                  <a:srgbClr val="000000"/>
+                </a:solidFill>
+                <a:latin typeface="Consolas" panose="020B0609020204030204" pitchFamily="49" charset="0"/>
+              </a:rPr>
+              <a:t>length</a:t>
+            </a:r>
+            <a:endParaRPr lang="en-US" dirty="0" smtClean="0"/>
+          </a:p>
+          <a:p>
+            <a:r>
+              <a:rPr lang="en-US" dirty="0" smtClean="0"/>
+              <a:t>Use a </a:t>
+            </a:r>
+            <a:r>
+              <a:rPr lang="en-US" dirty="0">
+                <a:solidFill>
+                  <a:srgbClr val="0000FF"/>
+                </a:solidFill>
+                <a:latin typeface="Consolas" panose="020B0609020204030204" pitchFamily="49" charset="0"/>
+              </a:rPr>
+              <a:t>for</a:t>
+            </a:r>
+            <a:r>
+              <a:rPr lang="en-US" dirty="0" smtClean="0"/>
+              <a:t> loop to iterate through the array the proper number of times</a:t>
+            </a:r>
+          </a:p>
+          <a:p>
+            <a:r>
+              <a:rPr lang="en-US" dirty="0" smtClean="0"/>
+              <a:t>Use </a:t>
+            </a:r>
+            <a:r>
+              <a:rPr lang="en-US" dirty="0">
+                <a:solidFill>
+                  <a:srgbClr val="000000"/>
+                </a:solidFill>
+                <a:latin typeface="Consolas" panose="020B0609020204030204" pitchFamily="49" charset="0"/>
+              </a:rPr>
+              <a:t>[</a:t>
+            </a:r>
+            <a:r>
+              <a:rPr lang="en-US" dirty="0" err="1">
+                <a:solidFill>
+                  <a:srgbClr val="000000"/>
+                </a:solidFill>
+                <a:latin typeface="Consolas" panose="020B0609020204030204" pitchFamily="49" charset="0"/>
+              </a:rPr>
+              <a:t>i</a:t>
+            </a:r>
+            <a:r>
+              <a:rPr lang="en-US" dirty="0">
+                <a:solidFill>
+                  <a:srgbClr val="000000"/>
+                </a:solidFill>
+                <a:latin typeface="Consolas" panose="020B0609020204030204" pitchFamily="49" charset="0"/>
+              </a:rPr>
+              <a:t>]</a:t>
+            </a:r>
+            <a:r>
+              <a:rPr lang="en-US" dirty="0" smtClean="0"/>
+              <a:t> to access each item of the array</a:t>
+            </a:r>
+            <a:endParaRPr lang="en-US" dirty="0"/>
+          </a:p>
+        </p:txBody>
+      </p:sp>
+    </p:spTree>
+    <p:extLst>
+      <p:ext uri="{BB962C8B-B14F-4D97-AF65-F5344CB8AC3E}">
+        <p14:creationId xmlns:p14="http://schemas.microsoft.com/office/powerpoint/2010/main" val="1886446756"/>
+      </p:ext>
+    </p:extLst>
+  </p:cSld>
+  <p:clrMapOvr>
+    <a:masterClrMapping/>
+  </p:clrMapOvr>
+  <p:transition>
+    <p:fade/>
+  </p:transition>
+</p:sld>
+</file>
+
 <file path=ppt/theme/theme1.xml><?xml version="1.0" encoding="utf-8"?>
 <a:theme xmlns:a="http://schemas.openxmlformats.org/drawingml/2006/main" name="Hyland 2019">
   <a:themeElements>

--- a/JavaScriptObjects/JavaScriptArrays.pptx
+++ b/JavaScriptObjects/JavaScriptArrays.pptx
@@ -212,7 +212,7 @@
           <a:p>
             <a:fld id="{19104133-B5B0-4351-8158-4F0E5EB1E2BF}" type="datetimeFigureOut">
               <a:rPr lang="en-US" smtClean="0"/>
-              <a:t>1/10/2020</a:t>
+              <a:t>2/4/2020</a:t>
             </a:fld>
             <a:endParaRPr lang="en-US"/>
           </a:p>
@@ -1435,7 +1435,7 @@
             <a:fld id="{1C2D31DE-C454-491C-B5C3-F097855E3DF7}" type="datetime4">
               <a:rPr lang="en-US" smtClean="0"/>
               <a:pPr/>
-              <a:t>January 10, 2020</a:t>
+              <a:t>February 4, 2020</a:t>
             </a:fld>
             <a:endParaRPr lang="en-US" dirty="0"/>
           </a:p>
@@ -4835,7 +4835,7 @@
           <a:p>
             <a:fld id="{5958763E-B898-436D-883D-03711491D54A}" type="datetimeFigureOut">
               <a:rPr lang="en-US" smtClean="0"/>
-              <a:t>1/10/2020</a:t>
+              <a:t>2/4/2020</a:t>
             </a:fld>
             <a:endParaRPr lang="en-US"/>
           </a:p>
@@ -5036,7 +5036,7 @@
           <a:p>
             <a:fld id="{5958763E-B898-436D-883D-03711491D54A}" type="datetimeFigureOut">
               <a:rPr lang="en-US" smtClean="0"/>
-              <a:t>1/10/2020</a:t>
+              <a:t>2/4/2020</a:t>
             </a:fld>
             <a:endParaRPr lang="en-US"/>
           </a:p>
@@ -5293,7 +5293,7 @@
           <a:p>
             <a:fld id="{5958763E-B898-436D-883D-03711491D54A}" type="datetimeFigureOut">
               <a:rPr lang="en-US" smtClean="0"/>
-              <a:t>1/10/2020</a:t>
+              <a:t>2/4/2020</a:t>
             </a:fld>
             <a:endParaRPr lang="en-US"/>
           </a:p>
@@ -5648,7 +5648,7 @@
           <a:p>
             <a:fld id="{5958763E-B898-436D-883D-03711491D54A}" type="datetimeFigureOut">
               <a:rPr lang="en-US" smtClean="0"/>
-              <a:t>1/10/2020</a:t>
+              <a:t>2/4/2020</a:t>
             </a:fld>
             <a:endParaRPr lang="en-US"/>
           </a:p>
@@ -6071,7 +6071,7 @@
           <a:p>
             <a:fld id="{5958763E-B898-436D-883D-03711491D54A}" type="datetimeFigureOut">
               <a:rPr lang="en-US" smtClean="0"/>
-              <a:t>1/10/2020</a:t>
+              <a:t>2/4/2020</a:t>
             </a:fld>
             <a:endParaRPr lang="en-US"/>
           </a:p>
@@ -6579,7 +6579,7 @@
           <a:p>
             <a:fld id="{5958763E-B898-436D-883D-03711491D54A}" type="datetimeFigureOut">
               <a:rPr lang="en-US" smtClean="0"/>
-              <a:t>1/10/2020</a:t>
+              <a:t>2/4/2020</a:t>
             </a:fld>
             <a:endParaRPr lang="en-US"/>
           </a:p>
@@ -7037,7 +7037,7 @@
           <a:p>
             <a:fld id="{5958763E-B898-436D-883D-03711491D54A}" type="datetimeFigureOut">
               <a:rPr lang="en-US" smtClean="0"/>
-              <a:t>1/10/2020</a:t>
+              <a:t>2/4/2020</a:t>
             </a:fld>
             <a:endParaRPr lang="en-US"/>
           </a:p>
@@ -7655,7 +7655,7 @@
           <a:p>
             <a:fld id="{5958763E-B898-436D-883D-03711491D54A}" type="datetimeFigureOut">
               <a:rPr lang="en-US" smtClean="0"/>
-              <a:t>1/10/2020</a:t>
+              <a:t>2/4/2020</a:t>
             </a:fld>
             <a:endParaRPr lang="en-US"/>
           </a:p>
@@ -8433,7 +8433,7 @@
           <a:p>
             <a:fld id="{5958763E-B898-436D-883D-03711491D54A}" type="datetimeFigureOut">
               <a:rPr lang="en-US" smtClean="0"/>
-              <a:t>1/10/2020</a:t>
+              <a:t>2/4/2020</a:t>
             </a:fld>
             <a:endParaRPr lang="en-US"/>
           </a:p>
@@ -8544,7 +8544,7 @@
           <a:p>
             <a:fld id="{5958763E-B898-436D-883D-03711491D54A}" type="datetimeFigureOut">
               <a:rPr lang="en-US" smtClean="0"/>
-              <a:t>1/10/2020</a:t>
+              <a:t>2/4/2020</a:t>
             </a:fld>
             <a:endParaRPr lang="en-US"/>
           </a:p>
@@ -8886,7 +8886,7 @@
             <a:fld id="{1C2D31DE-C454-491C-B5C3-F097855E3DF7}" type="datetime4">
               <a:rPr lang="en-US" smtClean="0"/>
               <a:pPr/>
-              <a:t>January 10, 2020</a:t>
+              <a:t>February 4, 2020</a:t>
             </a:fld>
             <a:endParaRPr lang="en-US" dirty="0"/>
           </a:p>
@@ -12046,7 +12046,7 @@
           <a:p>
             <a:fld id="{5958763E-B898-436D-883D-03711491D54A}" type="datetimeFigureOut">
               <a:rPr lang="en-US" smtClean="0"/>
-              <a:t>1/10/2020</a:t>
+              <a:t>2/4/2020</a:t>
             </a:fld>
             <a:endParaRPr lang="en-US"/>
           </a:p>
@@ -12177,7 +12177,7 @@
           <a:p>
             <a:fld id="{5958763E-B898-436D-883D-03711491D54A}" type="datetimeFigureOut">
               <a:rPr lang="en-US" smtClean="0"/>
-              <a:t>1/10/2020</a:t>
+              <a:t>2/4/2020</a:t>
             </a:fld>
             <a:endParaRPr lang="en-US"/>
           </a:p>
@@ -12308,7 +12308,7 @@
           <a:p>
             <a:fld id="{5958763E-B898-436D-883D-03711491D54A}" type="datetimeFigureOut">
               <a:rPr lang="en-US" smtClean="0"/>
-              <a:t>1/10/2020</a:t>
+              <a:t>2/4/2020</a:t>
             </a:fld>
             <a:endParaRPr lang="en-US"/>
           </a:p>
@@ -12439,7 +12439,7 @@
           <a:p>
             <a:fld id="{5958763E-B898-436D-883D-03711491D54A}" type="datetimeFigureOut">
               <a:rPr lang="en-US" smtClean="0"/>
-              <a:t>1/10/2020</a:t>
+              <a:t>2/4/2020</a:t>
             </a:fld>
             <a:endParaRPr lang="en-US"/>
           </a:p>
@@ -12570,7 +12570,7 @@
           <a:p>
             <a:fld id="{5958763E-B898-436D-883D-03711491D54A}" type="datetimeFigureOut">
               <a:rPr lang="en-US" smtClean="0"/>
-              <a:t>1/10/2020</a:t>
+              <a:t>2/4/2020</a:t>
             </a:fld>
             <a:endParaRPr lang="en-US"/>
           </a:p>
@@ -12701,7 +12701,7 @@
           <a:p>
             <a:fld id="{5958763E-B898-436D-883D-03711491D54A}" type="datetimeFigureOut">
               <a:rPr lang="en-US" smtClean="0"/>
-              <a:t>1/10/2020</a:t>
+              <a:t>2/4/2020</a:t>
             </a:fld>
             <a:endParaRPr lang="en-US"/>
           </a:p>
@@ -12832,7 +12832,7 @@
           <a:p>
             <a:fld id="{5958763E-B898-436D-883D-03711491D54A}" type="datetimeFigureOut">
               <a:rPr lang="en-US" smtClean="0"/>
-              <a:t>1/10/2020</a:t>
+              <a:t>2/4/2020</a:t>
             </a:fld>
             <a:endParaRPr lang="en-US"/>
           </a:p>
@@ -12963,7 +12963,7 @@
           <a:p>
             <a:fld id="{5958763E-B898-436D-883D-03711491D54A}" type="datetimeFigureOut">
               <a:rPr lang="en-US" smtClean="0"/>
-              <a:t>1/10/2020</a:t>
+              <a:t>2/4/2020</a:t>
             </a:fld>
             <a:endParaRPr lang="en-US"/>
           </a:p>
@@ -13103,7 +13103,7 @@
           <a:p>
             <a:fld id="{5958763E-B898-436D-883D-03711491D54A}" type="datetimeFigureOut">
               <a:rPr lang="en-US" smtClean="0"/>
-              <a:t>1/10/2020</a:t>
+              <a:t>2/4/2020</a:t>
             </a:fld>
             <a:endParaRPr lang="en-US"/>
           </a:p>
@@ -16464,7 +16464,7 @@
             <a:fld id="{1C2D31DE-C454-491C-B5C3-F097855E3DF7}" type="datetime4">
               <a:rPr lang="en-US" smtClean="0"/>
               <a:pPr/>
-              <a:t>January 10, 2020</a:t>
+              <a:t>February 4, 2020</a:t>
             </a:fld>
             <a:endParaRPr lang="en-US" dirty="0"/>
           </a:p>
@@ -28709,7 +28709,7 @@
           <a:p>
             <a:fld id="{5958763E-B898-436D-883D-03711491D54A}" type="datetimeFigureOut">
               <a:rPr lang="en-US" smtClean="0"/>
-              <a:t>1/10/2020</a:t>
+              <a:t>2/4/2020</a:t>
             </a:fld>
             <a:endParaRPr lang="en-US"/>
           </a:p>
@@ -29118,7 +29118,7 @@
           <a:p>
             <a:fld id="{5958763E-B898-436D-883D-03711491D54A}" type="datetimeFigureOut">
               <a:rPr lang="en-US" smtClean="0"/>
-              <a:t>1/10/2020</a:t>
+              <a:t>2/4/2020</a:t>
             </a:fld>
             <a:endParaRPr lang="en-US"/>
           </a:p>
@@ -29419,7 +29419,7 @@
           <a:p>
             <a:fld id="{5958763E-B898-436D-883D-03711491D54A}" type="datetimeFigureOut">
               <a:rPr lang="en-US" smtClean="0"/>
-              <a:t>1/10/2020</a:t>
+              <a:t>2/4/2020</a:t>
             </a:fld>
             <a:endParaRPr lang="en-US"/>
           </a:p>
@@ -29627,7 +29627,7 @@
           <a:p>
             <a:fld id="{5958763E-B898-436D-883D-03711491D54A}" type="datetimeFigureOut">
               <a:rPr lang="en-US" smtClean="0"/>
-              <a:t>1/10/2020</a:t>
+              <a:t>2/4/2020</a:t>
             </a:fld>
             <a:endParaRPr lang="en-US"/>
           </a:p>
@@ -29895,7 +29895,7 @@
           <a:p>
             <a:fld id="{5958763E-B898-436D-883D-03711491D54A}" type="datetimeFigureOut">
               <a:rPr lang="en-US" smtClean="0"/>
-              <a:t>1/10/2020</a:t>
+              <a:t>2/4/2020</a:t>
             </a:fld>
             <a:endParaRPr lang="en-US"/>
           </a:p>
@@ -30412,7 +30412,7 @@
           <a:p>
             <a:fld id="{5958763E-B898-436D-883D-03711491D54A}" type="datetimeFigureOut">
               <a:rPr lang="en-US" smtClean="0"/>
-              <a:t>1/10/2020</a:t>
+              <a:t>2/4/2020</a:t>
             </a:fld>
             <a:endParaRPr lang="en-US"/>
           </a:p>
@@ -30900,7 +30900,7 @@
           <a:p>
             <a:fld id="{5958763E-B898-436D-883D-03711491D54A}" type="datetimeFigureOut">
               <a:rPr lang="en-US" smtClean="0"/>
-              <a:t>1/10/2020</a:t>
+              <a:t>2/4/2020</a:t>
             </a:fld>
             <a:endParaRPr lang="en-US"/>
           </a:p>
@@ -31726,7 +31726,7 @@
           <a:p>
             <a:fld id="{5958763E-B898-436D-883D-03711491D54A}" type="datetimeFigureOut">
               <a:rPr lang="en-US" smtClean="0"/>
-              <a:t>1/10/2020</a:t>
+              <a:t>2/4/2020</a:t>
             </a:fld>
             <a:endParaRPr lang="en-US"/>
           </a:p>
@@ -31934,7 +31934,7 @@
           <a:p>
             <a:fld id="{5958763E-B898-436D-883D-03711491D54A}" type="datetimeFigureOut">
               <a:rPr lang="en-US" smtClean="0"/>
-              <a:t>1/10/2020</a:t>
+              <a:t>2/4/2020</a:t>
             </a:fld>
             <a:endParaRPr lang="en-US"/>
           </a:p>
@@ -32276,7 +32276,7 @@
           <a:p>
             <a:fld id="{5958763E-B898-436D-883D-03711491D54A}" type="datetimeFigureOut">
               <a:rPr lang="en-US" smtClean="0"/>
-              <a:t>1/10/2020</a:t>
+              <a:t>2/4/2020</a:t>
             </a:fld>
             <a:endParaRPr lang="en-US"/>
           </a:p>
@@ -32513,7 +32513,7 @@
           <a:p>
             <a:fld id="{5958763E-B898-436D-883D-03711491D54A}" type="datetimeFigureOut">
               <a:rPr lang="en-US" smtClean="0"/>
-              <a:t>1/10/2020</a:t>
+              <a:t>2/4/2020</a:t>
             </a:fld>
             <a:endParaRPr lang="en-US"/>
           </a:p>
@@ -32764,7 +32764,7 @@
           <a:p>
             <a:fld id="{5958763E-B898-436D-883D-03711491D54A}" type="datetimeFigureOut">
               <a:rPr lang="en-US" smtClean="0"/>
-              <a:t>1/10/2020</a:t>
+              <a:t>2/4/2020</a:t>
             </a:fld>
             <a:endParaRPr lang="en-US"/>
           </a:p>
@@ -39671,6 +39671,13 @@
   <p:transition>
     <p:fade/>
   </p:transition>
+  <p:timing>
+    <p:tnLst>
+      <p:par>
+        <p:cTn id="1" dur="indefinite" restart="never" nodeType="tmRoot"/>
+      </p:par>
+    </p:tnLst>
+  </p:timing>
 </p:sld>
 </file>
 

--- a/JavaScriptObjects/JavaScriptArrays.pptx
+++ b/JavaScriptObjects/JavaScriptArrays.pptx
@@ -5,7 +5,7 @@
     <p:sldMasterId id="2147483648" r:id="rId1"/>
   </p:sldMasterIdLst>
   <p:notesMasterIdLst>
-    <p:notesMasterId r:id="rId7"/>
+    <p:notesMasterId r:id="rId8"/>
   </p:notesMasterIdLst>
   <p:sldIdLst>
     <p:sldId id="258" r:id="rId2"/>
@@ -13,6 +13,7 @@
     <p:sldId id="261" r:id="rId4"/>
     <p:sldId id="262" r:id="rId5"/>
     <p:sldId id="263" r:id="rId6"/>
+    <p:sldId id="264" r:id="rId7"/>
   </p:sldIdLst>
   <p:sldSz cx="12192000" cy="6858000"/>
   <p:notesSz cx="6858000" cy="9144000"/>
@@ -212,7 +213,7 @@
           <a:p>
             <a:fld id="{19104133-B5B0-4351-8158-4F0E5EB1E2BF}" type="datetimeFigureOut">
               <a:rPr lang="en-US" smtClean="0"/>
-              <a:t>2/4/2020</a:t>
+              <a:t>1/20/2021</a:t>
             </a:fld>
             <a:endParaRPr lang="en-US"/>
           </a:p>
@@ -276,38 +277,37 @@
           <a:p>
             <a:pPr lvl="0"/>
             <a:r>
-              <a:rPr lang="en-US" smtClean="0"/>
+              <a:rPr lang="en-US"/>
               <a:t>Edit Master text styles</a:t>
             </a:r>
           </a:p>
           <a:p>
             <a:pPr lvl="1"/>
             <a:r>
-              <a:rPr lang="en-US" smtClean="0"/>
+              <a:rPr lang="en-US"/>
               <a:t>Second level</a:t>
             </a:r>
           </a:p>
           <a:p>
             <a:pPr lvl="2"/>
             <a:r>
-              <a:rPr lang="en-US" smtClean="0"/>
+              <a:rPr lang="en-US"/>
               <a:t>Third level</a:t>
             </a:r>
           </a:p>
           <a:p>
             <a:pPr lvl="3"/>
             <a:r>
-              <a:rPr lang="en-US" smtClean="0"/>
+              <a:rPr lang="en-US"/>
               <a:t>Fourth level</a:t>
             </a:r>
           </a:p>
           <a:p>
             <a:pPr lvl="4"/>
             <a:r>
-              <a:rPr lang="en-US" smtClean="0"/>
+              <a:rPr lang="en-US"/>
               <a:t>Fifth level</a:t>
             </a:r>
-            <a:endParaRPr lang="en-US"/>
           </a:p>
         </p:txBody>
       </p:sp>
@@ -525,48 +525,48 @@
           <a:lstStyle/>
           <a:p>
             <a:r>
-              <a:rPr lang="en-US" dirty="0" smtClean="0"/>
+              <a:rPr lang="en-US" dirty="0"/>
               <a:t>Use </a:t>
             </a:r>
             <a:r>
-              <a:rPr lang="en-US" b="1" dirty="0" smtClean="0"/>
+              <a:rPr lang="en-US" b="1" dirty="0"/>
               <a:t>square brackets</a:t>
             </a:r>
             <a:r>
-              <a:rPr lang="en-US" b="0" baseline="0" dirty="0" smtClean="0"/>
+              <a:rPr lang="en-US" b="0" baseline="0" dirty="0"/>
               <a:t> to surround the entire list. Use a </a:t>
             </a:r>
             <a:r>
-              <a:rPr lang="en-US" b="1" baseline="0" dirty="0" smtClean="0"/>
+              <a:rPr lang="en-US" b="1" baseline="0" dirty="0"/>
               <a:t>comma</a:t>
             </a:r>
             <a:r>
-              <a:rPr lang="en-US" b="0" baseline="0" dirty="0" smtClean="0"/>
+              <a:rPr lang="en-US" b="0" baseline="0" dirty="0"/>
               <a:t> to separate the items in the list.</a:t>
             </a:r>
           </a:p>
           <a:p>
-            <a:endParaRPr lang="en-US" b="0" baseline="0" dirty="0" smtClean="0"/>
+            <a:endParaRPr lang="en-US" b="0" baseline="0" dirty="0"/>
           </a:p>
           <a:p>
             <a:r>
-              <a:rPr lang="en-US" b="0" baseline="0" dirty="0" smtClean="0"/>
+              <a:rPr lang="en-US" b="0" baseline="0" dirty="0"/>
               <a:t>Each item is </a:t>
             </a:r>
           </a:p>
           <a:p>
-            <a:endParaRPr lang="en-US" b="0" baseline="0" dirty="0" smtClean="0"/>
+            <a:endParaRPr lang="en-US" b="0" baseline="0" dirty="0"/>
           </a:p>
           <a:p>
             <a:r>
-              <a:rPr lang="en-US" b="1" baseline="0" dirty="0" smtClean="0"/>
+              <a:rPr lang="en-US" b="1" baseline="0" dirty="0"/>
               <a:t>What type of items does this array contain?</a:t>
             </a:r>
             <a:r>
-              <a:rPr lang="en-US" b="0" baseline="0" dirty="0" smtClean="0"/>
+              <a:rPr lang="en-US" b="0" baseline="0" dirty="0"/>
               <a:t> String.</a:t>
             </a:r>
-            <a:endParaRPr lang="en-US" b="1" baseline="0" dirty="0" smtClean="0"/>
+            <a:endParaRPr lang="en-US" b="1" baseline="0" dirty="0"/>
           </a:p>
           <a:p>
             <a:endParaRPr lang="en-US" dirty="0"/>
@@ -714,7 +714,7 @@
           <a:lstStyle/>
           <a:p>
             <a:r>
-              <a:rPr lang="en-US" sz="1200" b="0" i="0" kern="1200" dirty="0" smtClean="0">
+              <a:rPr lang="en-US" sz="1200" b="0" i="0" kern="1200" dirty="0">
                 <a:solidFill>
                   <a:schemeClr val="tx1"/>
                 </a:solidFill>
@@ -726,7 +726,7 @@
               <a:t>Developers</a:t>
             </a:r>
             <a:r>
-              <a:rPr lang="en-US" sz="1200" b="0" i="0" kern="1200" baseline="0" dirty="0" smtClean="0">
+              <a:rPr lang="en-US" sz="1200" b="0" i="0" kern="1200" baseline="0" dirty="0">
                 <a:solidFill>
                   <a:schemeClr val="tx1"/>
                 </a:solidFill>
@@ -738,7 +738,7 @@
               <a:t> can access items in an array using </a:t>
             </a:r>
             <a:r>
-              <a:rPr lang="en-US" sz="1200" b="1" i="0" kern="1200" baseline="0" dirty="0" smtClean="0">
+              <a:rPr lang="en-US" sz="1200" b="1" i="0" kern="1200" baseline="0" dirty="0">
                 <a:solidFill>
                   <a:schemeClr val="tx1"/>
                 </a:solidFill>
@@ -750,7 +750,7 @@
               <a:t>square bracket notation</a:t>
             </a:r>
             <a:r>
-              <a:rPr lang="en-US" sz="1200" b="0" i="0" kern="1200" baseline="0" dirty="0" smtClean="0">
+              <a:rPr lang="en-US" sz="1200" b="0" i="0" kern="1200" baseline="0" dirty="0">
                 <a:solidFill>
                   <a:schemeClr val="tx1"/>
                 </a:solidFill>
@@ -762,7 +762,7 @@
               <a:t>. It is possible to </a:t>
             </a:r>
             <a:r>
-              <a:rPr lang="en-US" sz="1200" b="1" i="0" kern="1200" baseline="0" dirty="0" smtClean="0">
+              <a:rPr lang="en-US" sz="1200" b="1" i="0" kern="1200" baseline="0" dirty="0">
                 <a:solidFill>
                   <a:schemeClr val="tx1"/>
                 </a:solidFill>
@@ -774,7 +774,7 @@
               <a:t>get</a:t>
             </a:r>
             <a:r>
-              <a:rPr lang="en-US" sz="1200" b="0" i="0" kern="1200" baseline="0" dirty="0" smtClean="0">
+              <a:rPr lang="en-US" sz="1200" b="0" i="0" kern="1200" baseline="0" dirty="0">
                 <a:solidFill>
                   <a:schemeClr val="tx1"/>
                 </a:solidFill>
@@ -786,7 +786,7 @@
               <a:t> AND </a:t>
             </a:r>
             <a:r>
-              <a:rPr lang="en-US" sz="1200" b="1" i="0" kern="1200" baseline="0" dirty="0" smtClean="0">
+              <a:rPr lang="en-US" sz="1200" b="1" i="0" kern="1200" baseline="0" dirty="0">
                 <a:solidFill>
                   <a:schemeClr val="tx1"/>
                 </a:solidFill>
@@ -798,7 +798,7 @@
               <a:t>set</a:t>
             </a:r>
             <a:r>
-              <a:rPr lang="en-US" sz="1200" b="0" i="0" kern="1200" baseline="0" dirty="0" smtClean="0">
+              <a:rPr lang="en-US" sz="1200" b="0" i="0" kern="1200" baseline="0" dirty="0">
                 <a:solidFill>
                   <a:schemeClr val="tx1"/>
                 </a:solidFill>
@@ -811,7 +811,7 @@
             </a:r>
           </a:p>
           <a:p>
-            <a:endParaRPr lang="en-US" sz="1200" b="0" i="0" kern="1200" baseline="0" dirty="0" smtClean="0">
+            <a:endParaRPr lang="en-US" sz="1200" b="0" i="0" kern="1200" baseline="0" dirty="0">
               <a:solidFill>
                 <a:schemeClr val="tx1"/>
               </a:solidFill>
@@ -823,7 +823,7 @@
           </a:p>
           <a:p>
             <a:r>
-              <a:rPr lang="en-US" sz="1200" b="0" i="0" kern="1200" dirty="0" smtClean="0">
+              <a:rPr lang="en-US" sz="1200" b="0" i="0" kern="1200" dirty="0">
                 <a:solidFill>
                   <a:schemeClr val="tx1"/>
                 </a:solidFill>
@@ -835,7 +835,7 @@
               <a:t>JavaScript arrays are </a:t>
             </a:r>
             <a:r>
-              <a:rPr lang="en-US" sz="1200" b="1" i="0" kern="1200" dirty="0" smtClean="0">
+              <a:rPr lang="en-US" sz="1200" b="1" i="0" kern="1200" dirty="0">
                 <a:solidFill>
                   <a:schemeClr val="tx1"/>
                 </a:solidFill>
@@ -847,7 +847,7 @@
               <a:t>zero-indexed</a:t>
             </a:r>
             <a:r>
-              <a:rPr lang="en-US" sz="1200" b="0" i="0" kern="1200" dirty="0" smtClean="0">
+              <a:rPr lang="en-US" sz="1200" b="0" i="0" kern="1200" dirty="0">
                 <a:solidFill>
                   <a:schemeClr val="tx1"/>
                 </a:solidFill>
@@ -859,37 +859,37 @@
               <a:t>: the first element of an array is at index </a:t>
             </a:r>
             <a:r>
-              <a:rPr lang="en-US" dirty="0" smtClean="0"/>
+              <a:rPr lang="en-US" dirty="0"/>
               <a:t>0</a:t>
             </a:r>
           </a:p>
           <a:p>
-            <a:endParaRPr lang="en-US" dirty="0" smtClean="0"/>
+            <a:endParaRPr lang="en-US" dirty="0"/>
           </a:p>
           <a:p>
             <a:r>
-              <a:rPr lang="en-US" b="1" dirty="0" smtClean="0"/>
+              <a:rPr lang="en-US" b="1" dirty="0"/>
               <a:t>What will be the value of `top`?</a:t>
             </a:r>
             <a:r>
-              <a:rPr lang="en-US" b="0" dirty="0" smtClean="0"/>
+              <a:rPr lang="en-US" b="0" dirty="0"/>
               <a:t> “Milk”</a:t>
             </a:r>
           </a:p>
           <a:p>
-            <a:endParaRPr lang="en-US" b="0" dirty="0" smtClean="0"/>
+            <a:endParaRPr lang="en-US" b="0" dirty="0"/>
           </a:p>
           <a:p>
             <a:r>
-              <a:rPr lang="en-US" b="1" dirty="0" smtClean="0"/>
+              <a:rPr lang="en-US" b="1" dirty="0"/>
               <a:t>What will be the list</a:t>
             </a:r>
             <a:r>
-              <a:rPr lang="en-US" b="1" baseline="0" dirty="0" smtClean="0"/>
+              <a:rPr lang="en-US" b="1" baseline="0" dirty="0"/>
               <a:t> After the SET line? </a:t>
             </a:r>
             <a:r>
-              <a:rPr lang="en-US" b="0" baseline="0" dirty="0" smtClean="0"/>
+              <a:rPr lang="en-US" b="0" baseline="0" dirty="0"/>
               <a:t>“Milk, Eggs, Flour”</a:t>
             </a:r>
             <a:endParaRPr lang="en-US" b="1" dirty="0"/>
@@ -1037,28 +1037,28 @@
           <a:lstStyle/>
           <a:p>
             <a:r>
-              <a:rPr lang="en-US" dirty="0" smtClean="0"/>
+              <a:rPr lang="en-US" dirty="0"/>
               <a:t>Use</a:t>
             </a:r>
             <a:r>
-              <a:rPr lang="en-US" baseline="0" dirty="0" smtClean="0"/>
+              <a:rPr lang="en-US" baseline="0" dirty="0"/>
               <a:t> the </a:t>
             </a:r>
             <a:r>
-              <a:rPr lang="en-US" b="1" baseline="0" dirty="0" smtClean="0"/>
+              <a:rPr lang="en-US" b="1" baseline="0" dirty="0"/>
               <a:t>push</a:t>
             </a:r>
             <a:r>
-              <a:rPr lang="en-US" b="0" baseline="0" dirty="0" smtClean="0"/>
+              <a:rPr lang="en-US" b="0" baseline="0" dirty="0"/>
               <a:t> function to add an element to the end of an array.</a:t>
             </a:r>
           </a:p>
           <a:p>
-            <a:endParaRPr lang="en-US" b="0" baseline="0" dirty="0" smtClean="0"/>
+            <a:endParaRPr lang="en-US" b="0" baseline="0" dirty="0"/>
           </a:p>
           <a:p>
             <a:r>
-              <a:rPr lang="en-US" b="0" baseline="0" dirty="0" smtClean="0"/>
+              <a:rPr lang="en-US" b="0" baseline="0" dirty="0"/>
               <a:t>When pushing ‘Butter’, it is available at the end of the list</a:t>
             </a:r>
             <a:endParaRPr lang="en-US" dirty="0"/>
@@ -1385,15 +1385,7 @@
           <a:p>
             <a:r>
               <a:rPr lang="en-US" dirty="0"/>
-              <a:t>Click to edit Master </a:t>
-            </a:r>
-            <a:r>
-              <a:rPr lang="en-US" dirty="0" smtClean="0"/>
-              <a:t>subtitle </a:t>
-            </a:r>
-            <a:r>
-              <a:rPr lang="en-US" dirty="0"/>
-              <a:t>style</a:t>
+              <a:t>Click to edit Master subtitle style</a:t>
             </a:r>
           </a:p>
         </p:txBody>
@@ -1435,7 +1427,7 @@
             <a:fld id="{1C2D31DE-C454-491C-B5C3-F097855E3DF7}" type="datetime4">
               <a:rPr lang="en-US" smtClean="0"/>
               <a:pPr/>
-              <a:t>February 4, 2020</a:t>
+              <a:t>January 20, 2021</a:t>
             </a:fld>
             <a:endParaRPr lang="en-US" dirty="0"/>
           </a:p>
@@ -4509,17 +4501,16 @@
           <a:p>
             <a:pPr lvl="0"/>
             <a:r>
-              <a:rPr lang="en-US" dirty="0" smtClean="0"/>
+              <a:rPr lang="en-US" dirty="0"/>
               <a:t>Presenter Name</a:t>
             </a:r>
             <a:br>
-              <a:rPr lang="en-US" dirty="0" smtClean="0"/>
+              <a:rPr lang="en-US" dirty="0"/>
             </a:br>
             <a:r>
-              <a:rPr lang="en-US" dirty="0" smtClean="0"/>
+              <a:rPr lang="en-US" dirty="0"/>
               <a:t>Presenter Title</a:t>
             </a:r>
-            <a:endParaRPr lang="en-US" dirty="0"/>
           </a:p>
         </p:txBody>
       </p:sp>
@@ -4536,13 +4527,6 @@
   <p:transition>
     <p:fade/>
   </p:transition>
-  <p:timing>
-    <p:tnLst>
-      <p:par>
-        <p:cTn id="1" dur="indefinite" restart="never" nodeType="tmRoot"/>
-      </p:par>
-    </p:tnLst>
-  </p:timing>
   <p:hf sldNum="0" hdr="0" ftr="0"/>
 </p:sldLayout>
 </file>
@@ -4835,7 +4819,7 @@
           <a:p>
             <a:fld id="{5958763E-B898-436D-883D-03711491D54A}" type="datetimeFigureOut">
               <a:rPr lang="en-US" smtClean="0"/>
-              <a:t>2/4/2020</a:t>
+              <a:t>1/20/2021</a:t>
             </a:fld>
             <a:endParaRPr lang="en-US"/>
           </a:p>
@@ -4908,13 +4892,6 @@
   <p:transition>
     <p:fade/>
   </p:transition>
-  <p:timing>
-    <p:tnLst>
-      <p:par>
-        <p:cTn id="1" dur="indefinite" restart="never" nodeType="tmRoot"/>
-      </p:par>
-    </p:tnLst>
-  </p:timing>
 </p:sldLayout>
 </file>
 
@@ -4963,10 +4940,9 @@
           </a:lstStyle>
           <a:p>
             <a:r>
-              <a:rPr lang="en-US" dirty="0" smtClean="0"/>
+              <a:rPr lang="en-US" dirty="0"/>
               <a:t>Click icon to add picture</a:t>
             </a:r>
-            <a:endParaRPr lang="en-US" dirty="0"/>
           </a:p>
         </p:txBody>
       </p:sp>
@@ -5036,7 +5012,7 @@
           <a:p>
             <a:fld id="{5958763E-B898-436D-883D-03711491D54A}" type="datetimeFigureOut">
               <a:rPr lang="en-US" smtClean="0"/>
-              <a:t>2/4/2020</a:t>
+              <a:t>1/20/2021</a:t>
             </a:fld>
             <a:endParaRPr lang="en-US"/>
           </a:p>
@@ -5109,13 +5085,6 @@
   <p:transition>
     <p:fade/>
   </p:transition>
-  <p:timing>
-    <p:tnLst>
-      <p:par>
-        <p:cTn id="1" dur="indefinite" restart="never" nodeType="tmRoot"/>
-      </p:par>
-    </p:tnLst>
-  </p:timing>
 </p:sldLayout>
 </file>
 
@@ -5293,7 +5262,7 @@
           <a:p>
             <a:fld id="{5958763E-B898-436D-883D-03711491D54A}" type="datetimeFigureOut">
               <a:rPr lang="en-US" smtClean="0"/>
-              <a:t>2/4/2020</a:t>
+              <a:t>1/20/2021</a:t>
             </a:fld>
             <a:endParaRPr lang="en-US"/>
           </a:p>
@@ -5366,13 +5335,6 @@
   <p:transition>
     <p:fade/>
   </p:transition>
-  <p:timing>
-    <p:tnLst>
-      <p:par>
-        <p:cTn id="1" dur="indefinite" restart="never" nodeType="tmRoot"/>
-      </p:par>
-    </p:tnLst>
-  </p:timing>
 </p:sldLayout>
 </file>
 
@@ -5648,7 +5610,7 @@
           <a:p>
             <a:fld id="{5958763E-B898-436D-883D-03711491D54A}" type="datetimeFigureOut">
               <a:rPr lang="en-US" smtClean="0"/>
-              <a:t>2/4/2020</a:t>
+              <a:t>1/20/2021</a:t>
             </a:fld>
             <a:endParaRPr lang="en-US"/>
           </a:p>
@@ -5709,13 +5671,6 @@
   <p:transition>
     <p:fade/>
   </p:transition>
-  <p:timing>
-    <p:tnLst>
-      <p:par>
-        <p:cTn id="1" dur="indefinite" restart="never" nodeType="tmRoot"/>
-      </p:par>
-    </p:tnLst>
-  </p:timing>
 </p:sldLayout>
 </file>
 
@@ -6071,7 +6026,7 @@
           <a:p>
             <a:fld id="{5958763E-B898-436D-883D-03711491D54A}" type="datetimeFigureOut">
               <a:rPr lang="en-US" smtClean="0"/>
-              <a:t>2/4/2020</a:t>
+              <a:t>1/20/2021</a:t>
             </a:fld>
             <a:endParaRPr lang="en-US"/>
           </a:p>
@@ -6132,13 +6087,6 @@
   <p:transition>
     <p:fade/>
   </p:transition>
-  <p:timing>
-    <p:tnLst>
-      <p:par>
-        <p:cTn id="1" dur="indefinite" restart="never" nodeType="tmRoot"/>
-      </p:par>
-    </p:tnLst>
-  </p:timing>
 </p:sldLayout>
 </file>
 
@@ -6579,7 +6527,7 @@
           <a:p>
             <a:fld id="{5958763E-B898-436D-883D-03711491D54A}" type="datetimeFigureOut">
               <a:rPr lang="en-US" smtClean="0"/>
-              <a:t>2/4/2020</a:t>
+              <a:t>1/20/2021</a:t>
             </a:fld>
             <a:endParaRPr lang="en-US"/>
           </a:p>
@@ -6640,13 +6588,6 @@
   <p:transition>
     <p:fade/>
   </p:transition>
-  <p:timing>
-    <p:tnLst>
-      <p:par>
-        <p:cTn id="1" dur="indefinite" restart="never" nodeType="tmRoot"/>
-      </p:par>
-    </p:tnLst>
-  </p:timing>
 </p:sldLayout>
 </file>
 
@@ -7037,7 +6978,7 @@
           <a:p>
             <a:fld id="{5958763E-B898-436D-883D-03711491D54A}" type="datetimeFigureOut">
               <a:rPr lang="en-US" smtClean="0"/>
-              <a:t>2/4/2020</a:t>
+              <a:t>1/20/2021</a:t>
             </a:fld>
             <a:endParaRPr lang="en-US"/>
           </a:p>
@@ -7098,13 +7039,6 @@
   <p:transition>
     <p:fade/>
   </p:transition>
-  <p:timing>
-    <p:tnLst>
-      <p:par>
-        <p:cTn id="1" dur="indefinite" restart="never" nodeType="tmRoot"/>
-      </p:par>
-    </p:tnLst>
-  </p:timing>
 </p:sldLayout>
 </file>
 
@@ -7655,7 +7589,7 @@
           <a:p>
             <a:fld id="{5958763E-B898-436D-883D-03711491D54A}" type="datetimeFigureOut">
               <a:rPr lang="en-US" smtClean="0"/>
-              <a:t>2/4/2020</a:t>
+              <a:t>1/20/2021</a:t>
             </a:fld>
             <a:endParaRPr lang="en-US"/>
           </a:p>
@@ -7716,13 +7650,6 @@
   <p:transition>
     <p:fade/>
   </p:transition>
-  <p:timing>
-    <p:tnLst>
-      <p:par>
-        <p:cTn id="1" dur="indefinite" restart="never" nodeType="tmRoot"/>
-      </p:par>
-    </p:tnLst>
-  </p:timing>
 </p:sldLayout>
 </file>
 
@@ -8433,7 +8360,7 @@
           <a:p>
             <a:fld id="{5958763E-B898-436D-883D-03711491D54A}" type="datetimeFigureOut">
               <a:rPr lang="en-US" smtClean="0"/>
-              <a:t>2/4/2020</a:t>
+              <a:t>1/20/2021</a:t>
             </a:fld>
             <a:endParaRPr lang="en-US"/>
           </a:p>
@@ -8494,13 +8421,6 @@
   <p:transition>
     <p:fade/>
   </p:transition>
-  <p:timing>
-    <p:tnLst>
-      <p:par>
-        <p:cTn id="1" dur="indefinite" restart="never" nodeType="tmRoot"/>
-      </p:par>
-    </p:tnLst>
-  </p:timing>
 </p:sldLayout>
 </file>
 
@@ -8544,7 +8464,7 @@
           <a:p>
             <a:fld id="{5958763E-B898-436D-883D-03711491D54A}" type="datetimeFigureOut">
               <a:rPr lang="en-US" smtClean="0"/>
-              <a:t>2/4/2020</a:t>
+              <a:t>1/20/2021</a:t>
             </a:fld>
             <a:endParaRPr lang="en-US"/>
           </a:p>
@@ -8617,13 +8537,6 @@
   <p:transition>
     <p:fade/>
   </p:transition>
-  <p:timing>
-    <p:tnLst>
-      <p:par>
-        <p:cTn id="1" dur="indefinite" restart="never" nodeType="tmRoot"/>
-      </p:par>
-    </p:tnLst>
-  </p:timing>
 </p:sldLayout>
 </file>
 
@@ -8703,7 +8616,7 @@
                 <a:spcPct val="0"/>
               </a:spcAft>
             </a:pPr>
-            <a:endParaRPr lang="en-US" sz="2400" dirty="0" err="1" smtClean="0">
+            <a:endParaRPr lang="en-US" sz="2400" dirty="0" err="1">
               <a:gradFill>
                 <a:gsLst>
                   <a:gs pos="0">
@@ -8836,15 +8749,7 @@
           <a:p>
             <a:r>
               <a:rPr lang="en-US" dirty="0"/>
-              <a:t>Click to edit Master </a:t>
-            </a:r>
-            <a:r>
-              <a:rPr lang="en-US" dirty="0" smtClean="0"/>
-              <a:t>subtitle </a:t>
-            </a:r>
-            <a:r>
-              <a:rPr lang="en-US" dirty="0"/>
-              <a:t>style</a:t>
+              <a:t>Click to edit Master subtitle style</a:t>
             </a:r>
           </a:p>
         </p:txBody>
@@ -8886,7 +8791,7 @@
             <a:fld id="{1C2D31DE-C454-491C-B5C3-F097855E3DF7}" type="datetime4">
               <a:rPr lang="en-US" smtClean="0"/>
               <a:pPr/>
-              <a:t>February 4, 2020</a:t>
+              <a:t>January 20, 2021</a:t>
             </a:fld>
             <a:endParaRPr lang="en-US" dirty="0"/>
           </a:p>
@@ -11960,17 +11865,16 @@
           <a:p>
             <a:pPr lvl="0"/>
             <a:r>
-              <a:rPr lang="en-US" dirty="0" smtClean="0"/>
+              <a:rPr lang="en-US" dirty="0"/>
               <a:t>Presenter Name</a:t>
             </a:r>
             <a:br>
-              <a:rPr lang="en-US" dirty="0" smtClean="0"/>
+              <a:rPr lang="en-US" dirty="0"/>
             </a:br>
             <a:r>
-              <a:rPr lang="en-US" dirty="0" smtClean="0"/>
+              <a:rPr lang="en-US" dirty="0"/>
               <a:t>Presenter Title</a:t>
             </a:r>
-            <a:endParaRPr lang="en-US" dirty="0"/>
           </a:p>
         </p:txBody>
       </p:sp>
@@ -11987,13 +11891,6 @@
   <p:transition>
     <p:fade/>
   </p:transition>
-  <p:timing>
-    <p:tnLst>
-      <p:par>
-        <p:cTn id="1" dur="indefinite" restart="never" nodeType="tmRoot"/>
-      </p:par>
-    </p:tnLst>
-  </p:timing>
   <p:hf sldNum="0" hdr="0" ftr="0"/>
 </p:sldLayout>
 </file>
@@ -12046,7 +11943,7 @@
           <a:p>
             <a:fld id="{5958763E-B898-436D-883D-03711491D54A}" type="datetimeFigureOut">
               <a:rPr lang="en-US" smtClean="0"/>
-              <a:t>2/4/2020</a:t>
+              <a:t>1/20/2021</a:t>
             </a:fld>
             <a:endParaRPr lang="en-US"/>
           </a:p>
@@ -12119,13 +12016,6 @@
   <p:transition>
     <p:fade/>
   </p:transition>
-  <p:timing>
-    <p:tnLst>
-      <p:par>
-        <p:cTn id="1" dur="indefinite" restart="never" nodeType="tmRoot"/>
-      </p:par>
-    </p:tnLst>
-  </p:timing>
 </p:sldLayout>
 </file>
 
@@ -12177,7 +12067,7 @@
           <a:p>
             <a:fld id="{5958763E-B898-436D-883D-03711491D54A}" type="datetimeFigureOut">
               <a:rPr lang="en-US" smtClean="0"/>
-              <a:t>2/4/2020</a:t>
+              <a:t>1/20/2021</a:t>
             </a:fld>
             <a:endParaRPr lang="en-US"/>
           </a:p>
@@ -12250,13 +12140,6 @@
   <p:transition>
     <p:fade/>
   </p:transition>
-  <p:timing>
-    <p:tnLst>
-      <p:par>
-        <p:cTn id="1" dur="indefinite" restart="never" nodeType="tmRoot"/>
-      </p:par>
-    </p:tnLst>
-  </p:timing>
 </p:sldLayout>
 </file>
 
@@ -12308,7 +12191,7 @@
           <a:p>
             <a:fld id="{5958763E-B898-436D-883D-03711491D54A}" type="datetimeFigureOut">
               <a:rPr lang="en-US" smtClean="0"/>
-              <a:t>2/4/2020</a:t>
+              <a:t>1/20/2021</a:t>
             </a:fld>
             <a:endParaRPr lang="en-US"/>
           </a:p>
@@ -12381,13 +12264,6 @@
   <p:transition>
     <p:fade/>
   </p:transition>
-  <p:timing>
-    <p:tnLst>
-      <p:par>
-        <p:cTn id="1" dur="indefinite" restart="never" nodeType="tmRoot"/>
-      </p:par>
-    </p:tnLst>
-  </p:timing>
 </p:sldLayout>
 </file>
 
@@ -12439,7 +12315,7 @@
           <a:p>
             <a:fld id="{5958763E-B898-436D-883D-03711491D54A}" type="datetimeFigureOut">
               <a:rPr lang="en-US" smtClean="0"/>
-              <a:t>2/4/2020</a:t>
+              <a:t>1/20/2021</a:t>
             </a:fld>
             <a:endParaRPr lang="en-US"/>
           </a:p>
@@ -12512,13 +12388,6 @@
   <p:transition>
     <p:fade/>
   </p:transition>
-  <p:timing>
-    <p:tnLst>
-      <p:par>
-        <p:cTn id="1" dur="indefinite" restart="never" nodeType="tmRoot"/>
-      </p:par>
-    </p:tnLst>
-  </p:timing>
 </p:sldLayout>
 </file>
 
@@ -12570,7 +12439,7 @@
           <a:p>
             <a:fld id="{5958763E-B898-436D-883D-03711491D54A}" type="datetimeFigureOut">
               <a:rPr lang="en-US" smtClean="0"/>
-              <a:t>2/4/2020</a:t>
+              <a:t>1/20/2021</a:t>
             </a:fld>
             <a:endParaRPr lang="en-US"/>
           </a:p>
@@ -12643,13 +12512,6 @@
   <p:transition>
     <p:fade/>
   </p:transition>
-  <p:timing>
-    <p:tnLst>
-      <p:par>
-        <p:cTn id="1" dur="indefinite" restart="never" nodeType="tmRoot"/>
-      </p:par>
-    </p:tnLst>
-  </p:timing>
 </p:sldLayout>
 </file>
 
@@ -12701,7 +12563,7 @@
           <a:p>
             <a:fld id="{5958763E-B898-436D-883D-03711491D54A}" type="datetimeFigureOut">
               <a:rPr lang="en-US" smtClean="0"/>
-              <a:t>2/4/2020</a:t>
+              <a:t>1/20/2021</a:t>
             </a:fld>
             <a:endParaRPr lang="en-US"/>
           </a:p>
@@ -12774,13 +12636,6 @@
   <p:transition>
     <p:fade/>
   </p:transition>
-  <p:timing>
-    <p:tnLst>
-      <p:par>
-        <p:cTn id="1" dur="indefinite" restart="never" nodeType="tmRoot"/>
-      </p:par>
-    </p:tnLst>
-  </p:timing>
 </p:sldLayout>
 </file>
 
@@ -12832,7 +12687,7 @@
           <a:p>
             <a:fld id="{5958763E-B898-436D-883D-03711491D54A}" type="datetimeFigureOut">
               <a:rPr lang="en-US" smtClean="0"/>
-              <a:t>2/4/2020</a:t>
+              <a:t>1/20/2021</a:t>
             </a:fld>
             <a:endParaRPr lang="en-US"/>
           </a:p>
@@ -12905,13 +12760,6 @@
   <p:transition>
     <p:fade/>
   </p:transition>
-  <p:timing>
-    <p:tnLst>
-      <p:par>
-        <p:cTn id="1" dur="indefinite" restart="never" nodeType="tmRoot"/>
-      </p:par>
-    </p:tnLst>
-  </p:timing>
 </p:sldLayout>
 </file>
 
@@ -12963,7 +12811,7 @@
           <a:p>
             <a:fld id="{5958763E-B898-436D-883D-03711491D54A}" type="datetimeFigureOut">
               <a:rPr lang="en-US" smtClean="0"/>
-              <a:t>2/4/2020</a:t>
+              <a:t>1/20/2021</a:t>
             </a:fld>
             <a:endParaRPr lang="en-US"/>
           </a:p>
@@ -13036,13 +12884,6 @@
   <p:transition>
     <p:fade/>
   </p:transition>
-  <p:timing>
-    <p:tnLst>
-      <p:par>
-        <p:cTn id="1" dur="indefinite" restart="never" nodeType="tmRoot"/>
-      </p:par>
-    </p:tnLst>
-  </p:timing>
 </p:sldLayout>
 </file>
 
@@ -13103,7 +12944,7 @@
           <a:p>
             <a:fld id="{5958763E-B898-436D-883D-03711491D54A}" type="datetimeFigureOut">
               <a:rPr lang="en-US" smtClean="0"/>
-              <a:t>2/4/2020</a:t>
+              <a:t>1/20/2021</a:t>
             </a:fld>
             <a:endParaRPr lang="en-US"/>
           </a:p>
@@ -13176,13 +13017,6 @@
   <p:transition>
     <p:fade/>
   </p:transition>
-  <p:timing>
-    <p:tnLst>
-      <p:par>
-        <p:cTn id="1" dur="indefinite" restart="never" nodeType="tmRoot"/>
-      </p:par>
-    </p:tnLst>
-  </p:timing>
 </p:sldLayout>
 </file>
 
@@ -16184,13 +16018,6 @@
   <p:transition>
     <p:fade/>
   </p:transition>
-  <p:timing>
-    <p:tnLst>
-      <p:par>
-        <p:cTn id="1" dur="indefinite" restart="never" nodeType="tmRoot"/>
-      </p:par>
-    </p:tnLst>
-  </p:timing>
 </p:sldLayout>
 </file>
 
@@ -16278,7 +16105,7 @@
                 <a:spcPct val="0"/>
               </a:spcAft>
             </a:pPr>
-            <a:endParaRPr lang="en-US" sz="2400" dirty="0" err="1" smtClean="0">
+            <a:endParaRPr lang="en-US" sz="2400" dirty="0" err="1">
               <a:gradFill>
                 <a:gsLst>
                   <a:gs pos="0">
@@ -16414,15 +16241,7 @@
           <a:p>
             <a:r>
               <a:rPr lang="en-US" dirty="0"/>
-              <a:t>Click to edit Master </a:t>
-            </a:r>
-            <a:r>
-              <a:rPr lang="en-US" dirty="0" smtClean="0"/>
-              <a:t>subtitle </a:t>
-            </a:r>
-            <a:r>
-              <a:rPr lang="en-US" dirty="0"/>
-              <a:t>style</a:t>
+              <a:t>Click to edit Master subtitle style</a:t>
             </a:r>
           </a:p>
         </p:txBody>
@@ -16464,7 +16283,7 @@
             <a:fld id="{1C2D31DE-C454-491C-B5C3-F097855E3DF7}" type="datetime4">
               <a:rPr lang="en-US" smtClean="0"/>
               <a:pPr/>
-              <a:t>February 4, 2020</a:t>
+              <a:t>January 20, 2021</a:t>
             </a:fld>
             <a:endParaRPr lang="en-US" dirty="0"/>
           </a:p>
@@ -19546,17 +19365,16 @@
           <a:p>
             <a:pPr lvl="0"/>
             <a:r>
-              <a:rPr lang="en-US" dirty="0" smtClean="0"/>
+              <a:rPr lang="en-US" dirty="0"/>
               <a:t>Presenter Name</a:t>
             </a:r>
             <a:br>
-              <a:rPr lang="en-US" dirty="0" smtClean="0"/>
+              <a:rPr lang="en-US" dirty="0"/>
             </a:br>
             <a:r>
-              <a:rPr lang="en-US" dirty="0" smtClean="0"/>
+              <a:rPr lang="en-US" dirty="0"/>
               <a:t>Presenter Title</a:t>
             </a:r>
-            <a:endParaRPr lang="en-US" dirty="0"/>
           </a:p>
         </p:txBody>
       </p:sp>
@@ -19573,13 +19391,6 @@
   <p:transition>
     <p:fade/>
   </p:transition>
-  <p:timing>
-    <p:tnLst>
-      <p:par>
-        <p:cTn id="1" dur="indefinite" restart="never" nodeType="tmRoot"/>
-      </p:par>
-    </p:tnLst>
-  </p:timing>
   <p:hf sldNum="0" hdr="0" ftr="0"/>
 </p:sldLayout>
 </file>
@@ -27089,10 +26900,9 @@
           <a:p>
             <a:pPr lvl="0"/>
             <a:r>
-              <a:rPr lang="en-US" dirty="0" smtClean="0"/>
+              <a:rPr lang="en-US" dirty="0"/>
               <a:t>&lt;Call to action&gt;</a:t>
             </a:r>
-            <a:endParaRPr lang="en-US" dirty="0"/>
           </a:p>
         </p:txBody>
       </p:sp>
@@ -28709,7 +28519,7 @@
           <a:p>
             <a:fld id="{5958763E-B898-436D-883D-03711491D54A}" type="datetimeFigureOut">
               <a:rPr lang="en-US" smtClean="0"/>
-              <a:t>2/4/2020</a:t>
+              <a:t>1/20/2021</a:t>
             </a:fld>
             <a:endParaRPr lang="en-US"/>
           </a:p>
@@ -28836,7 +28646,7 @@
                 <a:spcPct val="0"/>
               </a:spcAft>
             </a:pPr>
-            <a:endParaRPr lang="en-US" sz="2400" dirty="0" err="1" smtClean="0">
+            <a:endParaRPr lang="en-US" sz="2400" dirty="0" err="1">
               <a:gradFill>
                 <a:gsLst>
                   <a:gs pos="0">
@@ -28867,13 +28677,6 @@
   <p:transition>
     <p:fade/>
   </p:transition>
-  <p:timing>
-    <p:tnLst>
-      <p:par>
-        <p:cTn id="1" dur="indefinite" restart="never" nodeType="tmRoot"/>
-      </p:par>
-    </p:tnLst>
-  </p:timing>
 </p:sldLayout>
 </file>
 
@@ -29118,7 +28921,7 @@
           <a:p>
             <a:fld id="{5958763E-B898-436D-883D-03711491D54A}" type="datetimeFigureOut">
               <a:rPr lang="en-US" smtClean="0"/>
-              <a:t>2/4/2020</a:t>
+              <a:t>1/20/2021</a:t>
             </a:fld>
             <a:endParaRPr lang="en-US"/>
           </a:p>
@@ -29191,13 +28994,6 @@
   <p:transition>
     <p:fade/>
   </p:transition>
-  <p:timing>
-    <p:tnLst>
-      <p:par>
-        <p:cTn id="1" dur="indefinite" restart="never" nodeType="tmRoot"/>
-      </p:par>
-    </p:tnLst>
-  </p:timing>
 </p:sldLayout>
 </file>
 
@@ -29419,7 +29215,7 @@
           <a:p>
             <a:fld id="{5958763E-B898-436D-883D-03711491D54A}" type="datetimeFigureOut">
               <a:rPr lang="en-US" smtClean="0"/>
-              <a:t>2/4/2020</a:t>
+              <a:t>1/20/2021</a:t>
             </a:fld>
             <a:endParaRPr lang="en-US"/>
           </a:p>
@@ -29492,13 +29288,6 @@
   <p:transition>
     <p:fade/>
   </p:transition>
-  <p:timing>
-    <p:tnLst>
-      <p:par>
-        <p:cTn id="1" dur="indefinite" restart="never" nodeType="tmRoot"/>
-      </p:par>
-    </p:tnLst>
-  </p:timing>
 </p:sldLayout>
 </file>
 
@@ -29627,7 +29416,7 @@
           <a:p>
             <a:fld id="{5958763E-B898-436D-883D-03711491D54A}" type="datetimeFigureOut">
               <a:rPr lang="en-US" smtClean="0"/>
-              <a:t>2/4/2020</a:t>
+              <a:t>1/20/2021</a:t>
             </a:fld>
             <a:endParaRPr lang="en-US"/>
           </a:p>
@@ -29750,13 +29539,6 @@
   <p:transition>
     <p:fade/>
   </p:transition>
-  <p:timing>
-    <p:tnLst>
-      <p:par>
-        <p:cTn id="1" dur="indefinite" restart="never" nodeType="tmRoot"/>
-      </p:par>
-    </p:tnLst>
-  </p:timing>
 </p:sldLayout>
 </file>
 
@@ -29895,7 +29677,7 @@
           <a:p>
             <a:fld id="{5958763E-B898-436D-883D-03711491D54A}" type="datetimeFigureOut">
               <a:rPr lang="en-US" smtClean="0"/>
-              <a:t>2/4/2020</a:t>
+              <a:t>1/20/2021</a:t>
             </a:fld>
             <a:endParaRPr lang="en-US"/>
           </a:p>
@@ -30022,13 +29804,6 @@
   <p:transition>
     <p:fade/>
   </p:transition>
-  <p:timing>
-    <p:tnLst>
-      <p:par>
-        <p:cTn id="1" dur="indefinite" restart="never" nodeType="tmRoot"/>
-      </p:par>
-    </p:tnLst>
-  </p:timing>
 </p:sldLayout>
 </file>
 
@@ -30190,7 +29965,7 @@
                 <a:spcPct val="0"/>
               </a:spcAft>
             </a:pPr>
-            <a:endParaRPr lang="en-US" sz="2400" dirty="0" err="1" smtClean="0">
+            <a:endParaRPr lang="en-US" sz="2400" dirty="0" err="1">
               <a:gradFill>
                 <a:gsLst>
                   <a:gs pos="0">
@@ -30241,10 +30016,9 @@
           </a:lstStyle>
           <a:p>
             <a:r>
-              <a:rPr lang="en-US" dirty="0" smtClean="0"/>
+              <a:rPr lang="en-US" dirty="0"/>
               <a:t>Type “Agenda”</a:t>
             </a:r>
-            <a:endParaRPr lang="en-US" dirty="0"/>
           </a:p>
         </p:txBody>
       </p:sp>
@@ -30368,24 +30142,23 @@
           <a:p>
             <a:pPr lvl="0"/>
             <a:r>
-              <a:rPr lang="en-US" dirty="0" smtClean="0"/>
+              <a:rPr lang="en-US" dirty="0"/>
               <a:t>Item 1</a:t>
             </a:r>
           </a:p>
           <a:p>
             <a:pPr lvl="0"/>
             <a:r>
-              <a:rPr lang="en-US" dirty="0" smtClean="0"/>
+              <a:rPr lang="en-US" dirty="0"/>
               <a:t>Item 2</a:t>
             </a:r>
           </a:p>
           <a:p>
             <a:pPr lvl="0"/>
             <a:r>
-              <a:rPr lang="en-US" dirty="0" smtClean="0"/>
+              <a:rPr lang="en-US" dirty="0"/>
               <a:t>Item 3</a:t>
             </a:r>
-            <a:endParaRPr lang="en-US" dirty="0"/>
           </a:p>
         </p:txBody>
       </p:sp>
@@ -30412,7 +30185,7 @@
           <a:p>
             <a:fld id="{5958763E-B898-436D-883D-03711491D54A}" type="datetimeFigureOut">
               <a:rPr lang="en-US" smtClean="0"/>
-              <a:t>2/4/2020</a:t>
+              <a:t>1/20/2021</a:t>
             </a:fld>
             <a:endParaRPr lang="en-US"/>
           </a:p>
@@ -30519,13 +30292,6 @@
   <p:transition>
     <p:fade/>
   </p:transition>
-  <p:timing>
-    <p:tnLst>
-      <p:par>
-        <p:cTn id="1" dur="indefinite" restart="never" nodeType="tmRoot"/>
-      </p:par>
-    </p:tnLst>
-  </p:timing>
 </p:sldLayout>
 </file>
 
@@ -30687,7 +30453,7 @@
                 <a:spcPct val="0"/>
               </a:spcAft>
             </a:pPr>
-            <a:endParaRPr lang="en-US" sz="2400" dirty="0" err="1" smtClean="0">
+            <a:endParaRPr lang="en-US" sz="2400" dirty="0" err="1">
               <a:gradFill>
                 <a:gsLst>
                   <a:gs pos="0">
@@ -30740,10 +30506,9 @@
           </a:lstStyle>
           <a:p>
             <a:r>
-              <a:rPr lang="en-US" dirty="0" smtClean="0"/>
+              <a:rPr lang="en-US" dirty="0"/>
               <a:t>Notable Quote</a:t>
             </a:r>
-            <a:endParaRPr lang="en-US" dirty="0"/>
           </a:p>
         </p:txBody>
       </p:sp>
@@ -30870,10 +30635,9 @@
           <a:p>
             <a:pPr lvl="0"/>
             <a:r>
-              <a:rPr lang="en-US" dirty="0" smtClean="0"/>
+              <a:rPr lang="en-US" dirty="0"/>
               <a:t>– Attribution</a:t>
             </a:r>
-            <a:endParaRPr lang="en-US" dirty="0"/>
           </a:p>
         </p:txBody>
       </p:sp>
@@ -30900,7 +30664,7 @@
           <a:p>
             <a:fld id="{5958763E-B898-436D-883D-03711491D54A}" type="datetimeFigureOut">
               <a:rPr lang="en-US" smtClean="0"/>
-              <a:t>2/4/2020</a:t>
+              <a:t>1/20/2021</a:t>
             </a:fld>
             <a:endParaRPr lang="en-US"/>
           </a:p>
@@ -31648,13 +31412,6 @@
   <p:transition>
     <p:fade/>
   </p:transition>
-  <p:timing>
-    <p:tnLst>
-      <p:par>
-        <p:cTn id="1" dur="indefinite" restart="never" nodeType="tmRoot"/>
-      </p:par>
-    </p:tnLst>
-  </p:timing>
 </p:sldLayout>
 </file>
 
@@ -31726,7 +31483,7 @@
           <a:p>
             <a:fld id="{5958763E-B898-436D-883D-03711491D54A}" type="datetimeFigureOut">
               <a:rPr lang="en-US" smtClean="0"/>
-              <a:t>2/4/2020</a:t>
+              <a:t>1/20/2021</a:t>
             </a:fld>
             <a:endParaRPr lang="en-US"/>
           </a:p>
@@ -31799,13 +31556,6 @@
   <p:transition>
     <p:fade/>
   </p:transition>
-  <p:timing>
-    <p:tnLst>
-      <p:par>
-        <p:cTn id="1" dur="indefinite" restart="never" nodeType="tmRoot"/>
-      </p:par>
-    </p:tnLst>
-  </p:timing>
 </p:sldLayout>
 </file>
 
@@ -31934,7 +31684,7 @@
           <a:p>
             <a:fld id="{5958763E-B898-436D-883D-03711491D54A}" type="datetimeFigureOut">
               <a:rPr lang="en-US" smtClean="0"/>
-              <a:t>2/4/2020</a:t>
+              <a:t>1/20/2021</a:t>
             </a:fld>
             <a:endParaRPr lang="en-US"/>
           </a:p>
@@ -32057,13 +31807,6 @@
   <p:transition>
     <p:fade/>
   </p:transition>
-  <p:timing>
-    <p:tnLst>
-      <p:par>
-        <p:cTn id="1" dur="indefinite" restart="never" nodeType="tmRoot"/>
-      </p:par>
-    </p:tnLst>
-  </p:timing>
 </p:sldLayout>
 </file>
 
@@ -32276,7 +32019,7 @@
           <a:p>
             <a:fld id="{5958763E-B898-436D-883D-03711491D54A}" type="datetimeFigureOut">
               <a:rPr lang="en-US" smtClean="0"/>
-              <a:t>2/4/2020</a:t>
+              <a:t>1/20/2021</a:t>
             </a:fld>
             <a:endParaRPr lang="en-US"/>
           </a:p>
@@ -32349,13 +32092,6 @@
   <p:transition>
     <p:fade/>
   </p:transition>
-  <p:timing>
-    <p:tnLst>
-      <p:par>
-        <p:cTn id="1" dur="indefinite" restart="never" nodeType="tmRoot"/>
-      </p:par>
-    </p:tnLst>
-  </p:timing>
 </p:sldLayout>
 </file>
 
@@ -32513,7 +32249,7 @@
           <a:p>
             <a:fld id="{5958763E-B898-436D-883D-03711491D54A}" type="datetimeFigureOut">
               <a:rPr lang="en-US" smtClean="0"/>
-              <a:t>2/4/2020</a:t>
+              <a:t>1/20/2021</a:t>
             </a:fld>
             <a:endParaRPr lang="en-US"/>
           </a:p>
@@ -32586,13 +32322,6 @@
   <p:transition>
     <p:fade/>
   </p:transition>
-  <p:timing>
-    <p:tnLst>
-      <p:par>
-        <p:cTn id="1" dur="indefinite" restart="never" nodeType="tmRoot"/>
-      </p:par>
-    </p:tnLst>
-  </p:timing>
 </p:sldLayout>
 </file>
 
@@ -32764,7 +32493,7 @@
           <a:p>
             <a:fld id="{5958763E-B898-436D-883D-03711491D54A}" type="datetimeFigureOut">
               <a:rPr lang="en-US" smtClean="0"/>
-              <a:t>2/4/2020</a:t>
+              <a:t>1/20/2021</a:t>
             </a:fld>
             <a:endParaRPr lang="en-US"/>
           </a:p>
@@ -32910,13 +32639,6 @@
   <p:transition>
     <p:fade/>
   </p:transition>
-  <p:timing>
-    <p:tnLst>
-      <p:par>
-        <p:cTn id="1" dur="indefinite" restart="never" nodeType="tmRoot"/>
-      </p:par>
-    </p:tnLst>
-  </p:timing>
   <p:txStyles>
     <p:titleStyle>
       <a:lvl1pPr algn="l" defTabSz="914400" rtl="0" eaLnBrk="1" latinLnBrk="0" hangingPunct="1">
@@ -33221,7 +32943,7 @@
       </a:lvl9pPr>
     </p:otherStyle>
   </p:txStyles>
-  <p:extLst mod="1">
+  <p:extLst>
     <p:ext uri="{27BBF7A9-308A-43DC-89C8-2F10F3537804}">
       <p15:sldGuideLst xmlns:p15="http://schemas.microsoft.com/office/powerpoint/2012/main">
         <p15:guide id="1" orient="horz" pos="2160" userDrawn="1">
@@ -33300,10 +33022,9 @@
           <a:lstStyle/>
           <a:p>
             <a:r>
-              <a:rPr lang="en-US" sz="6600" dirty="0" smtClean="0"/>
+              <a:rPr lang="en-US" sz="6600" dirty="0"/>
               <a:t>JavaScript Arrays</a:t>
             </a:r>
-            <a:endParaRPr lang="en-US" sz="6600" dirty="0"/>
           </a:p>
         </p:txBody>
       </p:sp>
@@ -33328,10 +33049,9 @@
           <a:lstStyle/>
           <a:p>
             <a:r>
-              <a:rPr lang="en-US" dirty="0" smtClean="0"/>
+              <a:rPr lang="en-US" dirty="0"/>
               <a:t>Hy-Tech Club: Web 201</a:t>
             </a:r>
-            <a:endParaRPr lang="en-US" dirty="0"/>
           </a:p>
         </p:txBody>
       </p:sp>
@@ -36316,13 +36036,6 @@
   <p:transition>
     <p:fade/>
   </p:transition>
-  <p:timing>
-    <p:tnLst>
-      <p:par>
-        <p:cTn id="1" dur="indefinite" restart="never" nodeType="tmRoot"/>
-      </p:par>
-    </p:tnLst>
-  </p:timing>
 </p:sld>
 </file>
 
@@ -36369,7 +36082,7 @@
           <a:lstStyle/>
           <a:p>
             <a:r>
-              <a:rPr lang="en-US" dirty="0" smtClean="0">
+              <a:rPr lang="en-US" dirty="0">
                 <a:solidFill>
                   <a:schemeClr val="bg1"/>
                 </a:solidFill>
@@ -36377,7 +36090,7 @@
               <a:t>Creating an Array in </a:t>
             </a:r>
             <a:r>
-              <a:rPr lang="en-US" dirty="0" err="1" smtClean="0">
+              <a:rPr lang="en-US" dirty="0" err="1">
                 <a:solidFill>
                   <a:schemeClr val="bg1"/>
                 </a:solidFill>
@@ -36468,7 +36181,7 @@
               <a:t>    </a:t>
             </a:r>
             <a:r>
-              <a:rPr lang="en-US" sz="4000" dirty="0" smtClean="0">
+              <a:rPr lang="en-US" sz="4000" dirty="0">
                 <a:solidFill>
                   <a:srgbClr val="CE9178"/>
                 </a:solidFill>
@@ -36477,13 +36190,68 @@
               <a:t>'Milk'</a:t>
             </a:r>
             <a:r>
-              <a:rPr lang="en-US" sz="4000" dirty="0" smtClean="0">
+              <a:rPr lang="en-US" sz="4000" dirty="0">
                 <a:solidFill>
                   <a:srgbClr val="D4D4D4"/>
                 </a:solidFill>
                 <a:latin typeface="Consolas" panose="020B0609020204030204" pitchFamily="49" charset="0"/>
               </a:rPr>
               <a:t>,</a:t>
+            </a:r>
+          </a:p>
+          <a:p>
+            <a:pPr marL="57150" indent="0">
+              <a:buNone/>
+            </a:pPr>
+            <a:r>
+              <a:rPr lang="en-US" sz="4000" dirty="0">
+                <a:solidFill>
+                  <a:srgbClr val="D4D4D4"/>
+                </a:solidFill>
+                <a:latin typeface="Consolas" panose="020B0609020204030204" pitchFamily="49" charset="0"/>
+              </a:rPr>
+              <a:t>    </a:t>
+            </a:r>
+            <a:r>
+              <a:rPr lang="en-US" sz="4000" dirty="0">
+                <a:solidFill>
+                  <a:srgbClr val="CE9178"/>
+                </a:solidFill>
+                <a:latin typeface="Consolas" panose="020B0609020204030204" pitchFamily="49" charset="0"/>
+              </a:rPr>
+              <a:t>'Eggs'</a:t>
+            </a:r>
+            <a:r>
+              <a:rPr lang="en-US" sz="4000" dirty="0">
+                <a:solidFill>
+                  <a:srgbClr val="D4D4D4"/>
+                </a:solidFill>
+                <a:latin typeface="Consolas" panose="020B0609020204030204" pitchFamily="49" charset="0"/>
+              </a:rPr>
+              <a:t>,</a:t>
+            </a:r>
+          </a:p>
+          <a:p>
+            <a:pPr marL="57150" indent="0">
+              <a:buNone/>
+            </a:pPr>
+            <a:r>
+              <a:rPr lang="en-US" sz="4000" dirty="0">
+                <a:solidFill>
+                  <a:srgbClr val="D4D4D4"/>
+                </a:solidFill>
+                <a:latin typeface="Consolas" panose="020B0609020204030204" pitchFamily="49" charset="0"/>
+              </a:rPr>
+              <a:t>    </a:t>
+            </a:r>
+            <a:r>
+              <a:rPr lang="en-US" sz="4000" dirty="0">
+                <a:solidFill>
+                  <a:srgbClr val="CE9178"/>
+                </a:solidFill>
+                <a:latin typeface="Consolas" panose="020B0609020204030204" pitchFamily="49" charset="0"/>
+              </a:rPr>
+              <a:t>'Cheese'</a:t>
             </a:r>
             <a:endParaRPr lang="en-US" sz="4000" dirty="0">
               <a:solidFill>
@@ -36503,81 +36271,8 @@
                 </a:solidFill>
                 <a:latin typeface="Consolas" panose="020B0609020204030204" pitchFamily="49" charset="0"/>
               </a:rPr>
-              <a:t>    </a:t>
-            </a:r>
-            <a:r>
-              <a:rPr lang="en-US" sz="4000" dirty="0" smtClean="0">
-                <a:solidFill>
-                  <a:srgbClr val="CE9178"/>
-                </a:solidFill>
-                <a:latin typeface="Consolas" panose="020B0609020204030204" pitchFamily="49" charset="0"/>
-              </a:rPr>
-              <a:t>'Eggs'</a:t>
-            </a:r>
-            <a:r>
-              <a:rPr lang="en-US" sz="4000" dirty="0" smtClean="0">
-                <a:solidFill>
-                  <a:srgbClr val="D4D4D4"/>
-                </a:solidFill>
-                <a:latin typeface="Consolas" panose="020B0609020204030204" pitchFamily="49" charset="0"/>
-              </a:rPr>
-              <a:t>,</a:t>
-            </a:r>
-            <a:endParaRPr lang="en-US" sz="4000" dirty="0">
-              <a:solidFill>
-                <a:srgbClr val="D4D4D4"/>
-              </a:solidFill>
-              <a:latin typeface="Consolas" panose="020B0609020204030204" pitchFamily="49" charset="0"/>
-            </a:endParaRPr>
-          </a:p>
-          <a:p>
-            <a:pPr marL="57150" indent="0">
-              <a:buNone/>
-            </a:pPr>
-            <a:r>
-              <a:rPr lang="en-US" sz="4000" dirty="0">
-                <a:solidFill>
-                  <a:srgbClr val="D4D4D4"/>
-                </a:solidFill>
-                <a:latin typeface="Consolas" panose="020B0609020204030204" pitchFamily="49" charset="0"/>
-              </a:rPr>
-              <a:t>    </a:t>
-            </a:r>
-            <a:r>
-              <a:rPr lang="en-US" sz="4000" dirty="0" smtClean="0">
-                <a:solidFill>
-                  <a:srgbClr val="CE9178"/>
-                </a:solidFill>
-                <a:latin typeface="Consolas" panose="020B0609020204030204" pitchFamily="49" charset="0"/>
-              </a:rPr>
-              <a:t>'Cheese'</a:t>
-            </a:r>
-            <a:endParaRPr lang="en-US" sz="4000" dirty="0">
-              <a:solidFill>
-                <a:srgbClr val="D4D4D4"/>
-              </a:solidFill>
-              <a:latin typeface="Consolas" panose="020B0609020204030204" pitchFamily="49" charset="0"/>
-            </a:endParaRPr>
-          </a:p>
-          <a:p>
-            <a:pPr marL="57150" indent="0">
-              <a:buNone/>
-            </a:pPr>
-            <a:r>
-              <a:rPr lang="en-US" sz="4000" dirty="0" smtClean="0">
-                <a:solidFill>
-                  <a:srgbClr val="D4D4D4"/>
-                </a:solidFill>
-                <a:latin typeface="Consolas" panose="020B0609020204030204" pitchFamily="49" charset="0"/>
-              </a:rPr>
               <a:t>];</a:t>
             </a:r>
-            <a:endParaRPr lang="en-US" sz="4000" dirty="0">
-              <a:solidFill>
-                <a:srgbClr val="D4D4D4"/>
-              </a:solidFill>
-              <a:latin typeface="Consolas" panose="020B0609020204030204" pitchFamily="49" charset="0"/>
-            </a:endParaRPr>
           </a:p>
           <a:p>
             <a:pPr marL="57150" indent="0">
@@ -36668,7 +36363,7 @@
               <a:defRPr/>
             </a:pPr>
             <a:r>
-              <a:rPr kumimoji="0" lang="en-US" sz="3200" b="0" i="1" u="none" strike="noStrike" kern="1200" cap="none" spc="0" normalizeH="0" baseline="0" noProof="0" dirty="0" smtClean="0">
+              <a:rPr kumimoji="0" lang="en-US" sz="3200" b="0" i="1" u="none" strike="noStrike" kern="1200" cap="none" spc="0" normalizeH="0" baseline="0" noProof="0" dirty="0">
                 <a:ln>
                   <a:noFill/>
                 </a:ln>
@@ -36860,10 +36555,9 @@
           <a:lstStyle/>
           <a:p>
             <a:r>
-              <a:rPr lang="en-US" dirty="0" smtClean="0"/>
+              <a:rPr lang="en-US" dirty="0"/>
               <a:t>Accessing Array Items</a:t>
             </a:r>
-            <a:endParaRPr lang="en-US" dirty="0"/>
           </a:p>
         </p:txBody>
       </p:sp>
@@ -36934,13 +36628,22 @@
               <a:buNone/>
             </a:pPr>
             <a:r>
-              <a:rPr lang="en-US" sz="4000" dirty="0" smtClean="0">
+              <a:rPr lang="en-US" sz="4000" dirty="0">
                 <a:solidFill>
                   <a:srgbClr val="000000"/>
                 </a:solidFill>
                 <a:latin typeface="Consolas" panose="020B0609020204030204" pitchFamily="49" charset="0"/>
               </a:rPr>
-              <a:t> </a:t>
+              <a:t>    </a:t>
+            </a:r>
+            <a:r>
+              <a:rPr lang="en-US" sz="4000" dirty="0">
+                <a:solidFill>
+                  <a:srgbClr val="A31515"/>
+                </a:solidFill>
+                <a:latin typeface="Consolas" panose="020B0609020204030204" pitchFamily="49" charset="0"/>
+              </a:rPr>
+              <a:t>'Milk'</a:t>
             </a:r>
             <a:r>
               <a:rPr lang="en-US" sz="4000" dirty="0">
@@ -36949,32 +36652,8 @@
                 </a:solidFill>
                 <a:latin typeface="Consolas" panose="020B0609020204030204" pitchFamily="49" charset="0"/>
               </a:rPr>
-              <a:t>   </a:t>
-            </a:r>
-            <a:r>
-              <a:rPr lang="en-US" sz="4000" dirty="0" smtClean="0">
-                <a:solidFill>
-                  <a:srgbClr val="A31515"/>
-                </a:solidFill>
-                <a:latin typeface="Consolas" panose="020B0609020204030204" pitchFamily="49" charset="0"/>
-              </a:rPr>
-              <a:t>'Milk'</a:t>
-            </a:r>
-            <a:r>
-              <a:rPr lang="en-US" sz="4000" dirty="0" smtClean="0">
-                <a:solidFill>
-                  <a:srgbClr val="000000"/>
-                </a:solidFill>
-                <a:latin typeface="Consolas" panose="020B0609020204030204" pitchFamily="49" charset="0"/>
-              </a:rPr>
               <a:t>,</a:t>
             </a:r>
-            <a:endParaRPr lang="en-US" sz="4000" dirty="0">
-              <a:solidFill>
-                <a:srgbClr val="000000"/>
-              </a:solidFill>
-              <a:latin typeface="Consolas" panose="020B0609020204030204" pitchFamily="49" charset="0"/>
-            </a:endParaRPr>
           </a:p>
           <a:p>
             <a:pPr marL="57150" indent="0">
@@ -36990,7 +36669,7 @@
               <a:t>    </a:t>
             </a:r>
             <a:r>
-              <a:rPr lang="en-US" sz="4000" dirty="0" smtClean="0">
+              <a:rPr lang="en-US" sz="4000" dirty="0">
                 <a:solidFill>
                   <a:srgbClr val="A31515"/>
                 </a:solidFill>
@@ -36999,7 +36678,7 @@
               <a:t>'Eggs'</a:t>
             </a:r>
             <a:r>
-              <a:rPr lang="en-US" sz="4000" dirty="0" smtClean="0">
+              <a:rPr lang="en-US" sz="4000" dirty="0">
                 <a:solidFill>
                   <a:srgbClr val="000000"/>
                 </a:solidFill>
@@ -37007,12 +36686,6 @@
               </a:rPr>
               <a:t>,</a:t>
             </a:r>
-            <a:endParaRPr lang="en-US" sz="4000" dirty="0">
-              <a:solidFill>
-                <a:srgbClr val="000000"/>
-              </a:solidFill>
-              <a:latin typeface="Consolas" panose="020B0609020204030204" pitchFamily="49" charset="0"/>
-            </a:endParaRPr>
           </a:p>
           <a:p>
             <a:pPr marL="57150" indent="0">
@@ -37028,7 +36701,7 @@
               <a:t>    </a:t>
             </a:r>
             <a:r>
-              <a:rPr lang="en-US" sz="4000" dirty="0" smtClean="0">
+              <a:rPr lang="en-US" sz="4000" dirty="0">
                 <a:solidFill>
                   <a:srgbClr val="A31515"/>
                 </a:solidFill>
@@ -37105,7 +36778,7 @@
               <a:defRPr/>
             </a:pPr>
             <a:r>
-              <a:rPr kumimoji="0" lang="en-US" sz="3600" b="1" i="0" u="none" strike="noStrike" kern="1200" cap="none" spc="0" normalizeH="0" baseline="0" noProof="0" dirty="0" smtClean="0">
+              <a:rPr kumimoji="0" lang="en-US" sz="3600" b="1" i="0" u="none" strike="noStrike" kern="1200" cap="none" spc="0" normalizeH="0" baseline="0" noProof="0" dirty="0">
                 <a:ln>
                   <a:noFill/>
                 </a:ln>
@@ -37122,7 +36795,7 @@
               <a:t>GET:  </a:t>
             </a:r>
             <a:r>
-              <a:rPr kumimoji="0" lang="en-US" sz="3600" b="0" i="0" u="none" strike="noStrike" kern="1200" cap="none" spc="0" normalizeH="0" baseline="0" noProof="0" dirty="0" smtClean="0">
+              <a:rPr kumimoji="0" lang="en-US" sz="3600" b="0" i="0" u="none" strike="noStrike" kern="1200" cap="none" spc="0" normalizeH="0" baseline="0" noProof="0" dirty="0">
                 <a:ln>
                   <a:noFill/>
                 </a:ln>
@@ -37241,7 +36914,7 @@
               <a:t>0</a:t>
             </a:r>
             <a:r>
-              <a:rPr kumimoji="0" lang="en-US" sz="3600" b="0" i="0" u="none" strike="noStrike" kern="1200" cap="none" spc="0" normalizeH="0" baseline="0" noProof="0" dirty="0" smtClean="0">
+              <a:rPr kumimoji="0" lang="en-US" sz="3600" b="0" i="0" u="none" strike="noStrike" kern="1200" cap="none" spc="0" normalizeH="0" baseline="0" noProof="0" dirty="0">
                 <a:ln>
                   <a:noFill/>
                 </a:ln>
@@ -37257,20 +36930,6 @@
               </a:rPr>
               <a:t>];</a:t>
             </a:r>
-            <a:endParaRPr kumimoji="0" lang="en-US" sz="3600" b="0" i="0" u="none" strike="noStrike" kern="1200" cap="none" spc="0" normalizeH="0" baseline="0" noProof="0" dirty="0">
-              <a:ln>
-                <a:noFill/>
-              </a:ln>
-              <a:solidFill>
-                <a:srgbClr val="000000"/>
-              </a:solidFill>
-              <a:effectLst/>
-              <a:uLnTx/>
-              <a:uFillTx/>
-              <a:latin typeface="Consolas" panose="020B0609020204030204" pitchFamily="49" charset="0"/>
-              <a:ea typeface="+mn-ea"/>
-              <a:cs typeface="+mn-cs"/>
-            </a:endParaRPr>
           </a:p>
         </p:txBody>
       </p:sp>
@@ -37328,27 +36987,10 @@
                 <a:ea typeface="+mn-ea"/>
                 <a:cs typeface="+mn-cs"/>
               </a:rPr>
-              <a:t>SET</a:t>
+              <a:t>SET:  </a:t>
             </a:r>
             <a:r>
-              <a:rPr kumimoji="0" lang="en-US" sz="3600" b="1" i="0" u="none" strike="noStrike" kern="1200" cap="none" spc="0" normalizeH="0" baseline="0" noProof="0" dirty="0" smtClean="0">
-                <a:ln>
-                  <a:noFill/>
-                </a:ln>
-                <a:solidFill>
-                  <a:srgbClr val="56565A"/>
-                </a:solidFill>
-                <a:effectLst/>
-                <a:uLnTx/>
-                <a:uFillTx/>
-                <a:latin typeface="Arial" panose="020B0604020202020204"/>
-                <a:ea typeface="+mn-ea"/>
-                <a:cs typeface="+mn-cs"/>
-              </a:rPr>
-              <a:t>:  </a:t>
-            </a:r>
-            <a:r>
-              <a:rPr kumimoji="0" lang="en-US" sz="3600" b="0" i="0" u="none" strike="noStrike" kern="1200" cap="none" spc="0" normalizeH="0" baseline="0" noProof="0" dirty="0" err="1" smtClean="0">
+              <a:rPr kumimoji="0" lang="en-US" sz="3600" b="0" i="0" u="none" strike="noStrike" kern="1200" cap="none" spc="0" normalizeH="0" baseline="0" noProof="0" dirty="0" err="1">
                 <a:ln>
                   <a:noFill/>
                 </a:ln>
@@ -37365,7 +37007,7 @@
               <a:t>shoppingList</a:t>
             </a:r>
             <a:r>
-              <a:rPr kumimoji="0" lang="en-US" sz="3600" b="0" i="0" u="none" strike="noStrike" kern="1200" cap="none" spc="0" normalizeH="0" baseline="0" noProof="0" dirty="0" smtClean="0">
+              <a:rPr kumimoji="0" lang="en-US" sz="3600" b="0" i="0" u="none" strike="noStrike" kern="1200" cap="none" spc="0" normalizeH="0" baseline="0" noProof="0" dirty="0">
                 <a:ln>
                   <a:noFill/>
                 </a:ln>
@@ -37382,7 +37024,7 @@
               <a:t>[</a:t>
             </a:r>
             <a:r>
-              <a:rPr kumimoji="0" lang="en-US" sz="3600" b="0" i="0" u="none" strike="noStrike" kern="1200" cap="none" spc="0" normalizeH="0" baseline="0" noProof="0" dirty="0" smtClean="0">
+              <a:rPr kumimoji="0" lang="en-US" sz="3600" b="0" i="0" u="none" strike="noStrike" kern="1200" cap="none" spc="0" normalizeH="0" baseline="0" noProof="0" dirty="0">
                 <a:ln>
                   <a:noFill/>
                 </a:ln>
@@ -37416,7 +37058,7 @@
               <a:t>] = </a:t>
             </a:r>
             <a:r>
-              <a:rPr lang="en-US" sz="3600" dirty="0" smtClean="0">
+              <a:rPr lang="en-US" sz="3600" dirty="0">
                 <a:solidFill>
                   <a:srgbClr val="A31515"/>
                 </a:solidFill>
@@ -37425,7 +37067,7 @@
               <a:t>'</a:t>
             </a:r>
             <a:r>
-              <a:rPr kumimoji="0" lang="en-US" sz="3600" b="0" i="0" u="none" strike="noStrike" kern="1200" cap="none" spc="0" normalizeH="0" baseline="0" noProof="0" dirty="0" smtClean="0">
+              <a:rPr kumimoji="0" lang="en-US" sz="3600" b="0" i="0" u="none" strike="noStrike" kern="1200" cap="none" spc="0" normalizeH="0" baseline="0" noProof="0" dirty="0">
                 <a:ln>
                   <a:noFill/>
                 </a:ln>
@@ -37442,7 +37084,7 @@
               <a:t>Flour</a:t>
             </a:r>
             <a:r>
-              <a:rPr lang="en-US" sz="3600" dirty="0" smtClean="0">
+              <a:rPr lang="en-US" sz="3600" dirty="0">
                 <a:solidFill>
                   <a:srgbClr val="A31515"/>
                 </a:solidFill>
@@ -37451,7 +37093,7 @@
               <a:t>'</a:t>
             </a:r>
             <a:r>
-              <a:rPr kumimoji="0" lang="en-US" sz="3600" b="0" i="0" u="none" strike="noStrike" kern="1200" cap="none" spc="0" normalizeH="0" baseline="0" noProof="0" dirty="0" smtClean="0">
+              <a:rPr kumimoji="0" lang="en-US" sz="3600" b="0" i="0" u="none" strike="noStrike" kern="1200" cap="none" spc="0" normalizeH="0" baseline="0" noProof="0" dirty="0">
                 <a:ln>
                   <a:noFill/>
                 </a:ln>
@@ -37467,20 +37109,6 @@
               </a:rPr>
               <a:t>;</a:t>
             </a:r>
-            <a:endParaRPr kumimoji="0" lang="en-US" sz="3600" b="0" i="0" u="none" strike="noStrike" kern="1200" cap="none" spc="0" normalizeH="0" baseline="0" noProof="0" dirty="0">
-              <a:ln>
-                <a:noFill/>
-              </a:ln>
-              <a:solidFill>
-                <a:srgbClr val="000000"/>
-              </a:solidFill>
-              <a:effectLst/>
-              <a:uLnTx/>
-              <a:uFillTx/>
-              <a:latin typeface="Consolas" panose="020B0609020204030204" pitchFamily="49" charset="0"/>
-              <a:ea typeface="+mn-ea"/>
-              <a:cs typeface="+mn-cs"/>
-            </a:endParaRPr>
           </a:p>
         </p:txBody>
       </p:sp>
@@ -37552,7 +37180,7 @@
               <a:defRPr/>
             </a:pPr>
             <a:r>
-              <a:rPr kumimoji="0" lang="en-US" sz="3600" b="1" i="0" u="none" strike="noStrike" kern="1200" cap="none" spc="0" normalizeH="0" baseline="0" noProof="0" dirty="0" smtClean="0">
+              <a:rPr kumimoji="0" lang="en-US" sz="3600" b="1" i="0" u="none" strike="noStrike" kern="1200" cap="none" spc="0" normalizeH="0" baseline="0" noProof="0" dirty="0">
                 <a:ln>
                   <a:noFill/>
                 </a:ln>
@@ -37647,7 +37275,7 @@
               <a:defRPr/>
             </a:pPr>
             <a:r>
-              <a:rPr kumimoji="0" lang="en-US" sz="3600" b="1" i="0" u="none" strike="noStrike" kern="1200" cap="none" spc="0" normalizeH="0" baseline="0" noProof="0" dirty="0" smtClean="0">
+              <a:rPr kumimoji="0" lang="en-US" sz="3600" b="1" i="0" u="none" strike="noStrike" kern="1200" cap="none" spc="0" normalizeH="0" baseline="0" noProof="0" dirty="0">
                 <a:ln>
                   <a:noFill/>
                 </a:ln>
@@ -37742,7 +37370,7 @@
               <a:defRPr/>
             </a:pPr>
             <a:r>
-              <a:rPr kumimoji="0" lang="en-US" sz="3600" b="1" i="0" u="none" strike="noStrike" kern="1200" cap="none" spc="0" normalizeH="0" baseline="0" noProof="0" dirty="0" smtClean="0">
+              <a:rPr kumimoji="0" lang="en-US" sz="3600" b="1" i="0" u="none" strike="noStrike" kern="1200" cap="none" spc="0" normalizeH="0" baseline="0" noProof="0" dirty="0">
                 <a:ln>
                   <a:noFill/>
                 </a:ln>
@@ -37837,7 +37465,7 @@
               <a:defRPr/>
             </a:pPr>
             <a:r>
-              <a:rPr kumimoji="0" lang="en-US" sz="3600" b="0" i="0" u="none" strike="noStrike" kern="1200" cap="none" spc="0" normalizeH="0" baseline="0" noProof="0" dirty="0" smtClean="0">
+              <a:rPr kumimoji="0" lang="en-US" sz="3600" b="0" i="0" u="none" strike="noStrike" kern="1200" cap="none" spc="0" normalizeH="0" baseline="0" noProof="0" dirty="0">
                 <a:ln>
                   <a:noFill/>
                 </a:ln>
@@ -37862,7 +37490,7 @@
               <a:t>Arrays are </a:t>
             </a:r>
             <a:r>
-              <a:rPr kumimoji="0" lang="en-US" sz="3600" b="1" i="0" u="none" strike="noStrike" kern="1200" cap="none" spc="0" normalizeH="0" baseline="0" noProof="0" dirty="0" smtClean="0">
+              <a:rPr kumimoji="0" lang="en-US" sz="3600" b="1" i="0" u="none" strike="noStrike" kern="1200" cap="none" spc="0" normalizeH="0" baseline="0" noProof="0" dirty="0">
                 <a:ln>
                   <a:noFill/>
                 </a:ln>
@@ -38278,10 +37906,9 @@
           <a:lstStyle/>
           <a:p>
             <a:r>
-              <a:rPr lang="en-US" dirty="0" smtClean="0"/>
+              <a:rPr lang="en-US" dirty="0"/>
               <a:t>Adding to Arrays</a:t>
             </a:r>
-            <a:endParaRPr lang="en-US" dirty="0"/>
           </a:p>
         </p:txBody>
       </p:sp>
@@ -38352,13 +37979,22 @@
               <a:buNone/>
             </a:pPr>
             <a:r>
-              <a:rPr lang="en-US" sz="4000" dirty="0" smtClean="0">
+              <a:rPr lang="en-US" sz="4000" dirty="0">
                 <a:solidFill>
                   <a:srgbClr val="000000"/>
                 </a:solidFill>
                 <a:latin typeface="Consolas" panose="020B0609020204030204" pitchFamily="49" charset="0"/>
               </a:rPr>
-              <a:t> </a:t>
+              <a:t>    </a:t>
+            </a:r>
+            <a:r>
+              <a:rPr lang="en-US" sz="4000" dirty="0">
+                <a:solidFill>
+                  <a:srgbClr val="A31515"/>
+                </a:solidFill>
+                <a:latin typeface="Consolas" panose="020B0609020204030204" pitchFamily="49" charset="0"/>
+              </a:rPr>
+              <a:t>'Milk'</a:t>
             </a:r>
             <a:r>
               <a:rPr lang="en-US" sz="4000" dirty="0">
@@ -38367,32 +38003,8 @@
                 </a:solidFill>
                 <a:latin typeface="Consolas" panose="020B0609020204030204" pitchFamily="49" charset="0"/>
               </a:rPr>
-              <a:t>   </a:t>
-            </a:r>
-            <a:r>
-              <a:rPr lang="en-US" sz="4000" dirty="0" smtClean="0">
-                <a:solidFill>
-                  <a:srgbClr val="A31515"/>
-                </a:solidFill>
-                <a:latin typeface="Consolas" panose="020B0609020204030204" pitchFamily="49" charset="0"/>
-              </a:rPr>
-              <a:t>'Milk'</a:t>
-            </a:r>
-            <a:r>
-              <a:rPr lang="en-US" sz="4000" dirty="0" smtClean="0">
-                <a:solidFill>
-                  <a:srgbClr val="000000"/>
-                </a:solidFill>
-                <a:latin typeface="Consolas" panose="020B0609020204030204" pitchFamily="49" charset="0"/>
-              </a:rPr>
               <a:t>,</a:t>
             </a:r>
-            <a:endParaRPr lang="en-US" sz="4000" dirty="0">
-              <a:solidFill>
-                <a:srgbClr val="000000"/>
-              </a:solidFill>
-              <a:latin typeface="Consolas" panose="020B0609020204030204" pitchFamily="49" charset="0"/>
-            </a:endParaRPr>
           </a:p>
           <a:p>
             <a:pPr marL="57150" indent="0">
@@ -38408,7 +38020,7 @@
               <a:t>    </a:t>
             </a:r>
             <a:r>
-              <a:rPr lang="en-US" sz="4000" dirty="0" smtClean="0">
+              <a:rPr lang="en-US" sz="4000" dirty="0">
                 <a:solidFill>
                   <a:srgbClr val="A31515"/>
                 </a:solidFill>
@@ -38417,7 +38029,7 @@
               <a:t>'Eggs'</a:t>
             </a:r>
             <a:r>
-              <a:rPr lang="en-US" sz="4000" dirty="0" smtClean="0">
+              <a:rPr lang="en-US" sz="4000" dirty="0">
                 <a:solidFill>
                   <a:srgbClr val="000000"/>
                 </a:solidFill>
@@ -38425,12 +38037,6 @@
               </a:rPr>
               <a:t>,</a:t>
             </a:r>
-            <a:endParaRPr lang="en-US" sz="4000" dirty="0">
-              <a:solidFill>
-                <a:srgbClr val="000000"/>
-              </a:solidFill>
-              <a:latin typeface="Consolas" panose="020B0609020204030204" pitchFamily="49" charset="0"/>
-            </a:endParaRPr>
           </a:p>
           <a:p>
             <a:pPr marL="57150" indent="0">
@@ -38446,7 +38052,7 @@
               <a:t>    </a:t>
             </a:r>
             <a:r>
-              <a:rPr lang="en-US" sz="4000" dirty="0" smtClean="0">
+              <a:rPr lang="en-US" sz="4000" dirty="0">
                 <a:solidFill>
                   <a:srgbClr val="A31515"/>
                 </a:solidFill>
@@ -38548,19 +38154,10 @@
                 </a:solidFill>
                 <a:latin typeface="Consolas" panose="020B0609020204030204" pitchFamily="49" charset="0"/>
               </a:rPr>
-              <a:t>'Butter</a:t>
+              <a:t>'Butter'</a:t>
             </a:r>
             <a:r>
-              <a:rPr lang="en-US" sz="3600" dirty="0" smtClean="0">
-                <a:solidFill>
-                  <a:srgbClr val="A31515"/>
-                </a:solidFill>
-                <a:latin typeface="Consolas" panose="020B0609020204030204" pitchFamily="49" charset="0"/>
-              </a:rPr>
-              <a:t>'</a:t>
-            </a:r>
-            <a:r>
-              <a:rPr lang="en-US" sz="3600" dirty="0" smtClean="0">
+              <a:rPr lang="en-US" sz="3600" dirty="0">
                 <a:solidFill>
                   <a:srgbClr val="000000"/>
                 </a:solidFill>
@@ -38568,12 +38165,6 @@
               </a:rPr>
               <a:t>);</a:t>
             </a:r>
-            <a:endParaRPr lang="en-US" sz="3600" dirty="0">
-              <a:solidFill>
-                <a:srgbClr val="000000"/>
-              </a:solidFill>
-              <a:latin typeface="Consolas" panose="020B0609020204030204" pitchFamily="49" charset="0"/>
-            </a:endParaRPr>
           </a:p>
         </p:txBody>
       </p:sp>
@@ -38638,7 +38229,7 @@
                 <a:spcPct val="0"/>
               </a:spcAft>
             </a:pPr>
-            <a:endParaRPr lang="en-US" sz="2400" dirty="0" err="1" smtClean="0">
+            <a:endParaRPr lang="en-US" sz="2400" dirty="0" err="1">
               <a:gradFill>
                 <a:gsLst>
                   <a:gs pos="0">
@@ -38720,7 +38311,7 @@
                 <a:spcPct val="0"/>
               </a:spcAft>
             </a:pPr>
-            <a:endParaRPr lang="en-US" sz="2400" dirty="0" err="1" smtClean="0">
+            <a:endParaRPr lang="en-US" sz="2400" dirty="0" err="1">
               <a:gradFill>
                 <a:gsLst>
                   <a:gs pos="0">
@@ -38766,7 +38357,7 @@
           <a:lstStyle/>
           <a:p>
             <a:r>
-              <a:rPr lang="en-US" sz="4000" dirty="0" smtClean="0">
+              <a:rPr lang="en-US" sz="4000" dirty="0">
                 <a:solidFill>
                   <a:srgbClr val="000000"/>
                 </a:solidFill>
@@ -38778,7 +38369,7 @@
           <a:p>
             <a:pPr lvl="1"/>
             <a:r>
-              <a:rPr lang="en-US" sz="4000" dirty="0" smtClean="0">
+              <a:rPr lang="en-US" sz="4000" dirty="0">
                 <a:solidFill>
                   <a:srgbClr val="A31515"/>
                 </a:solidFill>
@@ -38787,7 +38378,7 @@
               <a:t>'Milk'</a:t>
             </a:r>
             <a:r>
-              <a:rPr lang="en-US" sz="4000" dirty="0" smtClean="0">
+              <a:rPr lang="en-US" sz="4000" dirty="0">
                 <a:solidFill>
                   <a:srgbClr val="000000"/>
                 </a:solidFill>
@@ -38799,7 +38390,7 @@
           <a:p>
             <a:pPr lvl="1"/>
             <a:r>
-              <a:rPr lang="en-US" sz="4000" dirty="0" smtClean="0">
+              <a:rPr lang="en-US" sz="4000" dirty="0">
                 <a:solidFill>
                   <a:srgbClr val="A31515"/>
                 </a:solidFill>
@@ -38808,7 +38399,7 @@
               <a:t>'Eggs'</a:t>
             </a:r>
             <a:r>
-              <a:rPr lang="en-US" sz="4000" dirty="0" smtClean="0">
+              <a:rPr lang="en-US" sz="4000" dirty="0">
                 <a:solidFill>
                   <a:srgbClr val="000000"/>
                 </a:solidFill>
@@ -38820,7 +38411,7 @@
           <a:p>
             <a:pPr lvl="1"/>
             <a:r>
-              <a:rPr lang="en-US" sz="4000" dirty="0" smtClean="0">
+              <a:rPr lang="en-US" sz="4000" dirty="0">
                 <a:solidFill>
                   <a:srgbClr val="A31515"/>
                 </a:solidFill>
@@ -38829,7 +38420,7 @@
               <a:t>'Flour'</a:t>
             </a:r>
             <a:r>
-              <a:rPr lang="en-US" sz="4000" dirty="0" smtClean="0">
+              <a:rPr lang="en-US" sz="4000" dirty="0">
                 <a:solidFill>
                   <a:srgbClr val="000000"/>
                 </a:solidFill>
@@ -38841,7 +38432,7 @@
           <a:p>
             <a:pPr lvl="1"/>
             <a:r>
-              <a:rPr lang="en-US" sz="4000" dirty="0" smtClean="0">
+              <a:rPr lang="en-US" sz="4000" dirty="0">
                 <a:solidFill>
                   <a:srgbClr val="A31515"/>
                 </a:solidFill>
@@ -38852,7 +38443,7 @@
           </a:p>
           <a:p>
             <a:r>
-              <a:rPr lang="en-US" sz="4000" dirty="0" smtClean="0">
+              <a:rPr lang="en-US" sz="4000" dirty="0">
                 <a:solidFill>
                   <a:srgbClr val="000000"/>
                 </a:solidFill>
@@ -38860,12 +38451,6 @@
               </a:rPr>
               <a:t>]</a:t>
             </a:r>
-            <a:endParaRPr lang="en-US" sz="4000" dirty="0">
-              <a:solidFill>
-                <a:srgbClr val="000000"/>
-              </a:solidFill>
-              <a:latin typeface="Consolas" panose="020B0609020204030204" pitchFamily="49" charset="0"/>
-            </a:endParaRPr>
           </a:p>
         </p:txBody>
       </p:sp>
@@ -39130,10 +38715,9 @@
           <a:lstStyle/>
           <a:p>
             <a:r>
-              <a:rPr lang="en-US" dirty="0" smtClean="0"/>
+              <a:rPr lang="en-US" dirty="0"/>
               <a:t>Looping through Arrays</a:t>
             </a:r>
-            <a:endParaRPr lang="en-US" dirty="0"/>
           </a:p>
         </p:txBody>
       </p:sp>
@@ -39294,7 +38878,7 @@
               <a:buNone/>
             </a:pPr>
             <a:r>
-              <a:rPr lang="en-US" sz="3200" dirty="0" smtClean="0">
+              <a:rPr lang="en-US" sz="3200" dirty="0">
                 <a:solidFill>
                   <a:srgbClr val="000000"/>
                 </a:solidFill>
@@ -39303,7 +38887,7 @@
               <a:t>    console.log(</a:t>
             </a:r>
             <a:r>
-              <a:rPr lang="en-US" sz="3200" dirty="0" err="1" smtClean="0">
+              <a:rPr lang="en-US" sz="3200" dirty="0" err="1">
                 <a:solidFill>
                   <a:srgbClr val="000000"/>
                 </a:solidFill>
@@ -39312,7 +38896,7 @@
               <a:t>shoppingList</a:t>
             </a:r>
             <a:r>
-              <a:rPr lang="en-US" sz="3200" dirty="0" smtClean="0">
+              <a:rPr lang="en-US" sz="3200" dirty="0">
                 <a:solidFill>
                   <a:srgbClr val="000000"/>
                 </a:solidFill>
@@ -39321,7 +38905,7 @@
               <a:t>[</a:t>
             </a:r>
             <a:r>
-              <a:rPr lang="en-US" sz="3200" dirty="0" err="1" smtClean="0">
+              <a:rPr lang="en-US" sz="3200" dirty="0" err="1">
                 <a:solidFill>
                   <a:srgbClr val="000000"/>
                 </a:solidFill>
@@ -39572,12 +39156,8 @@
           </a:lstStyle>
           <a:p>
             <a:r>
-              <a:rPr lang="en-US" dirty="0" smtClean="0"/>
-              <a:t>Get t</a:t>
-            </a:r>
-            <a:r>
               <a:rPr lang="en-US" dirty="0"/>
-              <a:t>he length of an array with </a:t>
+              <a:t>Get the length of an array with </a:t>
             </a:r>
             <a:r>
               <a:rPr lang="en-US" dirty="0">
@@ -39586,22 +39166,13 @@
                 </a:solidFill>
                 <a:latin typeface="Consolas" panose="020B0609020204030204" pitchFamily="49" charset="0"/>
               </a:rPr>
-              <a:t>.</a:t>
+              <a:t>.length</a:t>
             </a:r>
-            <a:r>
-              <a:rPr lang="en-US" dirty="0" smtClean="0">
-                <a:solidFill>
-                  <a:srgbClr val="000000"/>
-                </a:solidFill>
-                <a:latin typeface="Consolas" panose="020B0609020204030204" pitchFamily="49" charset="0"/>
-              </a:rPr>
-              <a:t>length</a:t>
-            </a:r>
-            <a:endParaRPr lang="en-US" dirty="0" smtClean="0"/>
+            <a:endParaRPr lang="en-US" dirty="0"/>
           </a:p>
           <a:p>
             <a:r>
-              <a:rPr lang="en-US" dirty="0" smtClean="0"/>
+              <a:rPr lang="en-US" dirty="0"/>
               <a:t>Use a </a:t>
             </a:r>
             <a:r>
@@ -39614,13 +39185,13 @@
               <a:t>for</a:t>
             </a:r>
             <a:r>
-              <a:rPr lang="en-US" dirty="0" smtClean="0"/>
+              <a:rPr lang="en-US" dirty="0"/>
               <a:t> loop to iterate through the array the proper number of times</a:t>
             </a:r>
           </a:p>
           <a:p>
             <a:r>
-              <a:rPr lang="en-US" dirty="0" smtClean="0"/>
+              <a:rPr lang="en-US" dirty="0"/>
               <a:t>Use </a:t>
             </a:r>
             <a:r>
@@ -39651,10 +39222,9 @@
               <a:t>]</a:t>
             </a:r>
             <a:r>
-              <a:rPr lang="en-US" dirty="0" smtClean="0"/>
+              <a:rPr lang="en-US" dirty="0"/>
               <a:t> to access each item of the array</a:t>
             </a:r>
-            <a:endParaRPr lang="en-US" dirty="0"/>
           </a:p>
         </p:txBody>
       </p:sp>
@@ -39671,13 +39241,67 @@
   <p:transition>
     <p:fade/>
   </p:transition>
-  <p:timing>
-    <p:tnLst>
-      <p:par>
-        <p:cTn id="1" dur="indefinite" restart="never" nodeType="tmRoot"/>
-      </p:par>
-    </p:tnLst>
-  </p:timing>
+</p:sld>
+</file>
+
+<file path=ppt/slides/slide6.xml><?xml version="1.0" encoding="utf-8"?>
+<p:sld xmlns:a="http://schemas.openxmlformats.org/drawingml/2006/main" xmlns:r="http://schemas.openxmlformats.org/officeDocument/2006/relationships" xmlns:p="http://schemas.openxmlformats.org/presentationml/2006/main">
+  <p:cSld>
+    <p:spTree>
+      <p:nvGrpSpPr>
+        <p:cNvPr id="1" name=""/>
+        <p:cNvGrpSpPr/>
+        <p:nvPr/>
+      </p:nvGrpSpPr>
+      <p:grpSpPr>
+        <a:xfrm>
+          <a:off x="0" y="0"/>
+          <a:ext cx="0" cy="0"/>
+          <a:chOff x="0" y="0"/>
+          <a:chExt cx="0" cy="0"/>
+        </a:xfrm>
+      </p:grpSpPr>
+      <p:sp>
+        <p:nvSpPr>
+          <p:cNvPr id="2" name="Text Placeholder 1">
+            <a:extLst>
+              <a:ext uri="{FF2B5EF4-FFF2-40B4-BE49-F238E27FC236}">
+                <a16:creationId xmlns:a16="http://schemas.microsoft.com/office/drawing/2014/main" id="{04C46944-3D2B-4244-AED6-813F57771A30}"/>
+              </a:ext>
+            </a:extLst>
+          </p:cNvPr>
+          <p:cNvSpPr>
+            <a:spLocks noGrp="1"/>
+          </p:cNvSpPr>
+          <p:nvPr>
+            <p:ph type="body" sz="quarter" idx="10"/>
+          </p:nvPr>
+        </p:nvSpPr>
+        <p:spPr/>
+        <p:txBody>
+          <a:bodyPr/>
+          <a:lstStyle/>
+          <a:p>
+            <a:r>
+              <a:rPr lang="en-US"/>
+              <a:t>Questions?</a:t>
+            </a:r>
+          </a:p>
+        </p:txBody>
+      </p:sp>
+    </p:spTree>
+    <p:extLst>
+      <p:ext uri="{BB962C8B-B14F-4D97-AF65-F5344CB8AC3E}">
+        <p14:creationId xmlns:p14="http://schemas.microsoft.com/office/powerpoint/2010/main" val="80899113"/>
+      </p:ext>
+    </p:extLst>
+  </p:cSld>
+  <p:clrMapOvr>
+    <a:masterClrMapping/>
+  </p:clrMapOvr>
+  <p:transition>
+    <p:fade/>
+  </p:transition>
 </p:sld>
 </file>
 
